--- a/task/ANGULAR.pptx
+++ b/task/ANGULAR.pptx
@@ -15,7 +15,13 @@
     <p:sldId id="268" r:id="rId12"/>
     <p:sldId id="269" r:id="rId13"/>
     <p:sldId id="270" r:id="rId14"/>
-    <p:sldId id="261" r:id="rId15"/>
+    <p:sldId id="271" r:id="rId15"/>
+    <p:sldId id="272" r:id="rId16"/>
+    <p:sldId id="273" r:id="rId17"/>
+    <p:sldId id="274" r:id="rId18"/>
+    <p:sldId id="275" r:id="rId19"/>
+    <p:sldId id="276" r:id="rId20"/>
+    <p:sldId id="277" r:id="rId21"/>
   </p:sldIdLst>
   <p:sldSz cx="12192000" cy="6858000"/>
   <p:notesSz cx="6858000" cy="9144000"/>
@@ -120,2982 +126,6 @@
     </p:ext>
   </p:extLst>
 </p:presentation>
-</file>
-
-<file path=ppt/diagrams/colors1.xml><?xml version="1.0" encoding="utf-8"?>
-<dgm:colorsDef xmlns:dgm="http://schemas.openxmlformats.org/drawingml/2006/diagram" xmlns:a="http://schemas.openxmlformats.org/drawingml/2006/main" uniqueId="urn:microsoft.com/office/officeart/2018/5/colors/Iconchunking_neutralicon_colorful1">
-  <dgm:title val=""/>
-  <dgm:desc val=""/>
-  <dgm:catLst>
-    <dgm:cat type="colorful" pri="10100"/>
-  </dgm:catLst>
-  <dgm:styleLbl name="node0">
-    <dgm:fillClrLst meth="repeat">
-      <a:schemeClr val="accent1"/>
-    </dgm:fillClrLst>
-    <dgm:linClrLst meth="repeat">
-      <a:schemeClr val="lt1"/>
-    </dgm:linClrLst>
-    <dgm:effectClrLst/>
-    <dgm:txLinClrLst/>
-    <dgm:txFillClrLst/>
-    <dgm:txEffectClrLst/>
-  </dgm:styleLbl>
-  <dgm:styleLbl name="node1">
-    <dgm:fillClrLst meth="repeat">
-      <a:schemeClr val="bg1"/>
-    </dgm:fillClrLst>
-    <dgm:linClrLst meth="repeat">
-      <a:schemeClr val="lt1">
-        <a:alpha val="0"/>
-      </a:schemeClr>
-    </dgm:linClrLst>
-    <dgm:effectClrLst/>
-    <dgm:txLinClrLst/>
-    <dgm:txFillClrLst meth="repeat">
-      <a:schemeClr val="dk1"/>
-    </dgm:txFillClrLst>
-    <dgm:txEffectClrLst/>
-  </dgm:styleLbl>
-  <dgm:styleLbl name="alignNode1">
-    <dgm:fillClrLst meth="repeat">
-      <a:schemeClr val="accent2"/>
-      <a:schemeClr val="accent3"/>
-      <a:schemeClr val="accent4"/>
-      <a:schemeClr val="accent5"/>
-      <a:schemeClr val="accent6"/>
-    </dgm:fillClrLst>
-    <dgm:linClrLst meth="repeat">
-      <a:schemeClr val="accent2"/>
-      <a:schemeClr val="accent3"/>
-      <a:schemeClr val="accent4"/>
-      <a:schemeClr val="accent5"/>
-      <a:schemeClr val="accent6"/>
-    </dgm:linClrLst>
-    <dgm:effectClrLst/>
-    <dgm:txLinClrLst/>
-    <dgm:txFillClrLst/>
-    <dgm:txEffectClrLst/>
-  </dgm:styleLbl>
-  <dgm:styleLbl name="lnNode1">
-    <dgm:fillClrLst meth="repeat">
-      <a:schemeClr val="accent2"/>
-      <a:schemeClr val="accent3"/>
-      <a:schemeClr val="accent4"/>
-      <a:schemeClr val="accent5"/>
-      <a:schemeClr val="accent6"/>
-    </dgm:fillClrLst>
-    <dgm:linClrLst meth="repeat">
-      <a:schemeClr val="lt1"/>
-    </dgm:linClrLst>
-    <dgm:effectClrLst/>
-    <dgm:txLinClrLst/>
-    <dgm:txFillClrLst/>
-    <dgm:txEffectClrLst/>
-  </dgm:styleLbl>
-  <dgm:styleLbl name="vennNode1">
-    <dgm:fillClrLst meth="repeat">
-      <a:schemeClr val="accent2">
-        <a:alpha val="50000"/>
-      </a:schemeClr>
-      <a:schemeClr val="accent3">
-        <a:alpha val="50000"/>
-      </a:schemeClr>
-      <a:schemeClr val="accent4">
-        <a:alpha val="50000"/>
-      </a:schemeClr>
-      <a:schemeClr val="accent5">
-        <a:alpha val="50000"/>
-      </a:schemeClr>
-      <a:schemeClr val="accent6">
-        <a:alpha val="50000"/>
-      </a:schemeClr>
-    </dgm:fillClrLst>
-    <dgm:linClrLst meth="repeat">
-      <a:schemeClr val="lt1"/>
-    </dgm:linClrLst>
-    <dgm:effectClrLst/>
-    <dgm:txLinClrLst/>
-    <dgm:txFillClrLst/>
-    <dgm:txEffectClrLst/>
-  </dgm:styleLbl>
-  <dgm:styleLbl name="node2">
-    <dgm:fillClrLst>
-      <a:schemeClr val="accent2"/>
-    </dgm:fillClrLst>
-    <dgm:linClrLst meth="repeat">
-      <a:schemeClr val="lt1"/>
-    </dgm:linClrLst>
-    <dgm:effectClrLst/>
-    <dgm:txLinClrLst/>
-    <dgm:txFillClrLst/>
-    <dgm:txEffectClrLst/>
-  </dgm:styleLbl>
-  <dgm:styleLbl name="node3">
-    <dgm:fillClrLst>
-      <a:schemeClr val="accent3"/>
-    </dgm:fillClrLst>
-    <dgm:linClrLst meth="repeat">
-      <a:schemeClr val="lt1"/>
-    </dgm:linClrLst>
-    <dgm:effectClrLst/>
-    <dgm:txLinClrLst/>
-    <dgm:txFillClrLst/>
-    <dgm:txEffectClrLst/>
-  </dgm:styleLbl>
-  <dgm:styleLbl name="node4">
-    <dgm:fillClrLst>
-      <a:schemeClr val="accent4"/>
-    </dgm:fillClrLst>
-    <dgm:linClrLst meth="repeat">
-      <a:schemeClr val="lt1"/>
-    </dgm:linClrLst>
-    <dgm:effectClrLst/>
-    <dgm:txLinClrLst/>
-    <dgm:txFillClrLst/>
-    <dgm:txEffectClrLst/>
-  </dgm:styleLbl>
-  <dgm:styleLbl name="fgImgPlace1">
-    <dgm:fillClrLst meth="repeat">
-      <a:schemeClr val="accent2">
-        <a:tint val="50000"/>
-      </a:schemeClr>
-      <a:schemeClr val="accent3">
-        <a:tint val="50000"/>
-      </a:schemeClr>
-      <a:schemeClr val="accent4">
-        <a:tint val="50000"/>
-      </a:schemeClr>
-      <a:schemeClr val="accent5">
-        <a:tint val="50000"/>
-      </a:schemeClr>
-      <a:schemeClr val="accent6">
-        <a:tint val="50000"/>
-      </a:schemeClr>
-    </dgm:fillClrLst>
-    <dgm:linClrLst meth="repeat">
-      <a:schemeClr val="lt1"/>
-    </dgm:linClrLst>
-    <dgm:effectClrLst/>
-    <dgm:txLinClrLst/>
-    <dgm:txFillClrLst meth="repeat">
-      <a:schemeClr val="lt1"/>
-    </dgm:txFillClrLst>
-    <dgm:txEffectClrLst/>
-  </dgm:styleLbl>
-  <dgm:styleLbl name="alignImgPlace1">
-    <dgm:fillClrLst>
-      <a:schemeClr val="accent1">
-        <a:tint val="50000"/>
-      </a:schemeClr>
-      <a:schemeClr val="accent2">
-        <a:tint val="20000"/>
-      </a:schemeClr>
-    </dgm:fillClrLst>
-    <dgm:linClrLst meth="repeat">
-      <a:schemeClr val="lt1"/>
-    </dgm:linClrLst>
-    <dgm:effectClrLst/>
-    <dgm:txLinClrLst/>
-    <dgm:txFillClrLst meth="repeat">
-      <a:schemeClr val="lt1"/>
-    </dgm:txFillClrLst>
-    <dgm:txEffectClrLst/>
-  </dgm:styleLbl>
-  <dgm:styleLbl name="bgImgPlace1">
-    <dgm:fillClrLst>
-      <a:schemeClr val="accent1">
-        <a:tint val="50000"/>
-      </a:schemeClr>
-      <a:schemeClr val="accent2">
-        <a:tint val="20000"/>
-      </a:schemeClr>
-    </dgm:fillClrLst>
-    <dgm:linClrLst meth="repeat">
-      <a:schemeClr val="lt1"/>
-    </dgm:linClrLst>
-    <dgm:effectClrLst/>
-    <dgm:txLinClrLst/>
-    <dgm:txFillClrLst meth="repeat">
-      <a:schemeClr val="lt1"/>
-    </dgm:txFillClrLst>
-    <dgm:txEffectClrLst/>
-  </dgm:styleLbl>
-  <dgm:styleLbl name="sibTrans2D1">
-    <dgm:fillClrLst meth="repeat">
-      <a:schemeClr val="accent2"/>
-      <a:schemeClr val="accent3"/>
-      <a:schemeClr val="accent4"/>
-      <a:schemeClr val="accent5"/>
-      <a:schemeClr val="accent6"/>
-    </dgm:fillClrLst>
-    <dgm:linClrLst meth="cycle">
-      <a:schemeClr val="lt1"/>
-    </dgm:linClrLst>
-    <dgm:effectClrLst/>
-    <dgm:txLinClrLst/>
-    <dgm:txFillClrLst/>
-    <dgm:txEffectClrLst/>
-  </dgm:styleLbl>
-  <dgm:styleLbl name="fgSibTrans2D1">
-    <dgm:fillClrLst meth="repeat">
-      <a:schemeClr val="accent2"/>
-      <a:schemeClr val="accent3"/>
-      <a:schemeClr val="accent4"/>
-      <a:schemeClr val="accent5"/>
-      <a:schemeClr val="accent6"/>
-    </dgm:fillClrLst>
-    <dgm:linClrLst meth="cycle">
-      <a:schemeClr val="lt1"/>
-    </dgm:linClrLst>
-    <dgm:effectClrLst/>
-    <dgm:txLinClrLst/>
-    <dgm:txFillClrLst meth="repeat">
-      <a:schemeClr val="lt1"/>
-    </dgm:txFillClrLst>
-    <dgm:txEffectClrLst/>
-  </dgm:styleLbl>
-  <dgm:styleLbl name="bgSibTrans2D1">
-    <dgm:fillClrLst meth="repeat">
-      <a:schemeClr val="accent2"/>
-      <a:schemeClr val="accent3"/>
-      <a:schemeClr val="accent4"/>
-      <a:schemeClr val="accent5"/>
-      <a:schemeClr val="accent6"/>
-    </dgm:fillClrLst>
-    <dgm:linClrLst meth="cycle">
-      <a:schemeClr val="lt1"/>
-    </dgm:linClrLst>
-    <dgm:effectClrLst/>
-    <dgm:txLinClrLst/>
-    <dgm:txFillClrLst meth="repeat">
-      <a:schemeClr val="lt1"/>
-    </dgm:txFillClrLst>
-    <dgm:txEffectClrLst/>
-  </dgm:styleLbl>
-  <dgm:styleLbl name="sibTrans1D1">
-    <dgm:fillClrLst meth="repeat">
-      <a:schemeClr val="accent2"/>
-      <a:schemeClr val="accent3"/>
-      <a:schemeClr val="accent4"/>
-      <a:schemeClr val="accent5"/>
-      <a:schemeClr val="accent6"/>
-    </dgm:fillClrLst>
-    <dgm:linClrLst meth="repeat">
-      <a:schemeClr val="accent2"/>
-      <a:schemeClr val="accent3"/>
-      <a:schemeClr val="accent4"/>
-      <a:schemeClr val="accent5"/>
-      <a:schemeClr val="accent6"/>
-    </dgm:linClrLst>
-    <dgm:effectClrLst/>
-    <dgm:txLinClrLst/>
-    <dgm:txFillClrLst meth="repeat">
-      <a:schemeClr val="tx1"/>
-    </dgm:txFillClrLst>
-    <dgm:txEffectClrLst/>
-  </dgm:styleLbl>
-  <dgm:styleLbl name="callout">
-    <dgm:fillClrLst meth="repeat">
-      <a:schemeClr val="accent2"/>
-    </dgm:fillClrLst>
-    <dgm:linClrLst meth="repeat">
-      <a:schemeClr val="accent2">
-        <a:tint val="50000"/>
-      </a:schemeClr>
-    </dgm:linClrLst>
-    <dgm:effectClrLst/>
-    <dgm:txLinClrLst/>
-    <dgm:txFillClrLst meth="repeat">
-      <a:schemeClr val="tx1"/>
-    </dgm:txFillClrLst>
-    <dgm:txEffectClrLst/>
-  </dgm:styleLbl>
-  <dgm:styleLbl name="asst0">
-    <dgm:fillClrLst meth="repeat">
-      <a:schemeClr val="accent1"/>
-    </dgm:fillClrLst>
-    <dgm:linClrLst meth="repeat">
-      <a:schemeClr val="lt1"/>
-    </dgm:linClrLst>
-    <dgm:effectClrLst/>
-    <dgm:txLinClrLst/>
-    <dgm:txFillClrLst/>
-    <dgm:txEffectClrLst/>
-  </dgm:styleLbl>
-  <dgm:styleLbl name="asst1">
-    <dgm:fillClrLst meth="repeat">
-      <a:schemeClr val="accent2"/>
-    </dgm:fillClrLst>
-    <dgm:linClrLst meth="repeat">
-      <a:schemeClr val="lt1"/>
-    </dgm:linClrLst>
-    <dgm:effectClrLst/>
-    <dgm:txLinClrLst/>
-    <dgm:txFillClrLst/>
-    <dgm:txEffectClrLst/>
-  </dgm:styleLbl>
-  <dgm:styleLbl name="asst2">
-    <dgm:fillClrLst>
-      <a:schemeClr val="accent3"/>
-    </dgm:fillClrLst>
-    <dgm:linClrLst meth="repeat">
-      <a:schemeClr val="lt1"/>
-    </dgm:linClrLst>
-    <dgm:effectClrLst/>
-    <dgm:txLinClrLst/>
-    <dgm:txFillClrLst/>
-    <dgm:txEffectClrLst/>
-  </dgm:styleLbl>
-  <dgm:styleLbl name="asst3">
-    <dgm:fillClrLst>
-      <a:schemeClr val="accent4"/>
-    </dgm:fillClrLst>
-    <dgm:linClrLst meth="repeat">
-      <a:schemeClr val="lt1"/>
-    </dgm:linClrLst>
-    <dgm:effectClrLst/>
-    <dgm:txLinClrLst/>
-    <dgm:txFillClrLst/>
-    <dgm:txEffectClrLst/>
-  </dgm:styleLbl>
-  <dgm:styleLbl name="asst4">
-    <dgm:fillClrLst>
-      <a:schemeClr val="accent5"/>
-    </dgm:fillClrLst>
-    <dgm:linClrLst meth="repeat">
-      <a:schemeClr val="lt1"/>
-    </dgm:linClrLst>
-    <dgm:effectClrLst/>
-    <dgm:txLinClrLst/>
-    <dgm:txFillClrLst/>
-    <dgm:txEffectClrLst/>
-  </dgm:styleLbl>
-  <dgm:styleLbl name="parChTrans2D1">
-    <dgm:fillClrLst meth="repeat">
-      <a:schemeClr val="accent2"/>
-    </dgm:fillClrLst>
-    <dgm:linClrLst meth="repeat">
-      <a:schemeClr val="lt1"/>
-    </dgm:linClrLst>
-    <dgm:effectClrLst/>
-    <dgm:txLinClrLst/>
-    <dgm:txFillClrLst meth="repeat">
-      <a:schemeClr val="lt1"/>
-    </dgm:txFillClrLst>
-    <dgm:txEffectClrLst/>
-  </dgm:styleLbl>
-  <dgm:styleLbl name="parChTrans2D2">
-    <dgm:fillClrLst meth="repeat">
-      <a:schemeClr val="accent3"/>
-    </dgm:fillClrLst>
-    <dgm:linClrLst meth="repeat">
-      <a:schemeClr val="lt1"/>
-    </dgm:linClrLst>
-    <dgm:effectClrLst/>
-    <dgm:txLinClrLst/>
-    <dgm:txFillClrLst/>
-    <dgm:txEffectClrLst/>
-  </dgm:styleLbl>
-  <dgm:styleLbl name="parChTrans2D3">
-    <dgm:fillClrLst meth="repeat">
-      <a:schemeClr val="accent4"/>
-    </dgm:fillClrLst>
-    <dgm:linClrLst meth="repeat">
-      <a:schemeClr val="lt1"/>
-    </dgm:linClrLst>
-    <dgm:effectClrLst/>
-    <dgm:txLinClrLst/>
-    <dgm:txFillClrLst/>
-    <dgm:txEffectClrLst/>
-  </dgm:styleLbl>
-  <dgm:styleLbl name="parChTrans2D4">
-    <dgm:fillClrLst meth="repeat">
-      <a:schemeClr val="accent5"/>
-    </dgm:fillClrLst>
-    <dgm:linClrLst meth="repeat">
-      <a:schemeClr val="lt1"/>
-    </dgm:linClrLst>
-    <dgm:effectClrLst/>
-    <dgm:txLinClrLst/>
-    <dgm:txFillClrLst meth="repeat">
-      <a:schemeClr val="lt1"/>
-    </dgm:txFillClrLst>
-    <dgm:txEffectClrLst/>
-  </dgm:styleLbl>
-  <dgm:styleLbl name="parChTrans1D1">
-    <dgm:fillClrLst meth="repeat">
-      <a:schemeClr val="accent2"/>
-    </dgm:fillClrLst>
-    <dgm:linClrLst meth="repeat">
-      <a:schemeClr val="accent1"/>
-    </dgm:linClrLst>
-    <dgm:effectClrLst/>
-    <dgm:txLinClrLst/>
-    <dgm:txFillClrLst meth="repeat">
-      <a:schemeClr val="tx1"/>
-    </dgm:txFillClrLst>
-    <dgm:txEffectClrLst/>
-  </dgm:styleLbl>
-  <dgm:styleLbl name="parChTrans1D2">
-    <dgm:fillClrLst meth="repeat">
-      <a:schemeClr val="accent3">
-        <a:tint val="90000"/>
-      </a:schemeClr>
-    </dgm:fillClrLst>
-    <dgm:linClrLst meth="repeat">
-      <a:schemeClr val="accent2"/>
-    </dgm:linClrLst>
-    <dgm:effectClrLst/>
-    <dgm:txLinClrLst/>
-    <dgm:txFillClrLst meth="repeat">
-      <a:schemeClr val="tx1"/>
-    </dgm:txFillClrLst>
-    <dgm:txEffectClrLst/>
-  </dgm:styleLbl>
-  <dgm:styleLbl name="parChTrans1D3">
-    <dgm:fillClrLst meth="repeat">
-      <a:schemeClr val="accent4">
-        <a:tint val="70000"/>
-      </a:schemeClr>
-    </dgm:fillClrLst>
-    <dgm:linClrLst meth="repeat">
-      <a:schemeClr val="accent3"/>
-    </dgm:linClrLst>
-    <dgm:effectClrLst/>
-    <dgm:txLinClrLst/>
-    <dgm:txFillClrLst meth="repeat">
-      <a:schemeClr val="tx1"/>
-    </dgm:txFillClrLst>
-    <dgm:txEffectClrLst/>
-  </dgm:styleLbl>
-  <dgm:styleLbl name="parChTrans1D4">
-    <dgm:fillClrLst meth="repeat">
-      <a:schemeClr val="accent5">
-        <a:tint val="50000"/>
-      </a:schemeClr>
-    </dgm:fillClrLst>
-    <dgm:linClrLst meth="repeat">
-      <a:schemeClr val="accent4"/>
-    </dgm:linClrLst>
-    <dgm:effectClrLst/>
-    <dgm:txLinClrLst/>
-    <dgm:txFillClrLst meth="repeat">
-      <a:schemeClr val="tx1"/>
-    </dgm:txFillClrLst>
-    <dgm:txEffectClrLst/>
-  </dgm:styleLbl>
-  <dgm:styleLbl name="fgAcc1">
-    <dgm:fillClrLst meth="repeat">
-      <a:schemeClr val="lt1">
-        <a:alpha val="90000"/>
-      </a:schemeClr>
-    </dgm:fillClrLst>
-    <dgm:linClrLst meth="repeat">
-      <a:schemeClr val="accent2"/>
-      <a:schemeClr val="accent3"/>
-      <a:schemeClr val="accent4"/>
-      <a:schemeClr val="accent5"/>
-      <a:schemeClr val="accent6"/>
-    </dgm:linClrLst>
-    <dgm:effectClrLst/>
-    <dgm:txLinClrLst/>
-    <dgm:txFillClrLst meth="repeat">
-      <a:schemeClr val="dk1"/>
-    </dgm:txFillClrLst>
-    <dgm:txEffectClrLst/>
-  </dgm:styleLbl>
-  <dgm:styleLbl name="conFgAcc1">
-    <dgm:fillClrLst meth="repeat">
-      <a:schemeClr val="lt1">
-        <a:alpha val="90000"/>
-      </a:schemeClr>
-    </dgm:fillClrLst>
-    <dgm:linClrLst meth="repeat">
-      <a:schemeClr val="accent2"/>
-      <a:schemeClr val="accent3"/>
-      <a:schemeClr val="accent4"/>
-      <a:schemeClr val="accent5"/>
-      <a:schemeClr val="accent6"/>
-    </dgm:linClrLst>
-    <dgm:effectClrLst/>
-    <dgm:txLinClrLst/>
-    <dgm:txFillClrLst meth="repeat">
-      <a:schemeClr val="dk1"/>
-    </dgm:txFillClrLst>
-    <dgm:txEffectClrLst/>
-  </dgm:styleLbl>
-  <dgm:styleLbl name="alignAcc1">
-    <dgm:fillClrLst meth="repeat">
-      <a:schemeClr val="lt1">
-        <a:alpha val="90000"/>
-      </a:schemeClr>
-    </dgm:fillClrLst>
-    <dgm:linClrLst meth="repeat">
-      <a:schemeClr val="accent2"/>
-      <a:schemeClr val="accent3"/>
-      <a:schemeClr val="accent4"/>
-      <a:schemeClr val="accent5"/>
-      <a:schemeClr val="accent6"/>
-    </dgm:linClrLst>
-    <dgm:effectClrLst/>
-    <dgm:txLinClrLst/>
-    <dgm:txFillClrLst meth="repeat">
-      <a:schemeClr val="dk1"/>
-    </dgm:txFillClrLst>
-    <dgm:txEffectClrLst/>
-  </dgm:styleLbl>
-  <dgm:styleLbl name="trAlignAcc1">
-    <dgm:fillClrLst meth="repeat">
-      <a:schemeClr val="lt1">
-        <a:alpha val="40000"/>
-      </a:schemeClr>
-    </dgm:fillClrLst>
-    <dgm:linClrLst meth="repeat">
-      <a:schemeClr val="accent1"/>
-    </dgm:linClrLst>
-    <dgm:effectClrLst/>
-    <dgm:txLinClrLst/>
-    <dgm:txFillClrLst meth="repeat">
-      <a:schemeClr val="dk1"/>
-    </dgm:txFillClrLst>
-    <dgm:txEffectClrLst/>
-  </dgm:styleLbl>
-  <dgm:styleLbl name="bgAcc1">
-    <dgm:fillClrLst meth="repeat">
-      <a:schemeClr val="lt1">
-        <a:alpha val="90000"/>
-      </a:schemeClr>
-    </dgm:fillClrLst>
-    <dgm:linClrLst meth="repeat">
-      <a:schemeClr val="accent2"/>
-      <a:schemeClr val="accent3"/>
-      <a:schemeClr val="accent4"/>
-      <a:schemeClr val="accent5"/>
-      <a:schemeClr val="accent6"/>
-    </dgm:linClrLst>
-    <dgm:effectClrLst/>
-    <dgm:txLinClrLst/>
-    <dgm:txFillClrLst meth="repeat">
-      <a:schemeClr val="dk1"/>
-    </dgm:txFillClrLst>
-    <dgm:txEffectClrLst/>
-  </dgm:styleLbl>
-  <dgm:styleLbl name="solidFgAcc1">
-    <dgm:fillClrLst meth="repeat">
-      <a:schemeClr val="lt1"/>
-    </dgm:fillClrLst>
-    <dgm:linClrLst meth="repeat">
-      <a:schemeClr val="accent2"/>
-      <a:schemeClr val="accent3"/>
-      <a:schemeClr val="accent4"/>
-      <a:schemeClr val="accent5"/>
-      <a:schemeClr val="accent6"/>
-    </dgm:linClrLst>
-    <dgm:effectClrLst/>
-    <dgm:txLinClrLst/>
-    <dgm:txFillClrLst meth="repeat">
-      <a:schemeClr val="dk1"/>
-    </dgm:txFillClrLst>
-    <dgm:txEffectClrLst/>
-  </dgm:styleLbl>
-  <dgm:styleLbl name="solidAlignAcc1">
-    <dgm:fillClrLst meth="repeat">
-      <a:schemeClr val="lt1"/>
-    </dgm:fillClrLst>
-    <dgm:linClrLst meth="repeat">
-      <a:schemeClr val="accent2"/>
-      <a:schemeClr val="accent3"/>
-      <a:schemeClr val="accent4"/>
-      <a:schemeClr val="accent5"/>
-      <a:schemeClr val="accent6"/>
-    </dgm:linClrLst>
-    <dgm:effectClrLst/>
-    <dgm:txLinClrLst/>
-    <dgm:txFillClrLst meth="repeat">
-      <a:schemeClr val="dk1"/>
-    </dgm:txFillClrLst>
-    <dgm:txEffectClrLst/>
-  </dgm:styleLbl>
-  <dgm:styleLbl name="solidBgAcc1">
-    <dgm:fillClrLst meth="repeat">
-      <a:schemeClr val="lt1"/>
-    </dgm:fillClrLst>
-    <dgm:linClrLst meth="repeat">
-      <a:schemeClr val="accent2"/>
-      <a:schemeClr val="accent3"/>
-      <a:schemeClr val="accent4"/>
-      <a:schemeClr val="accent5"/>
-      <a:schemeClr val="accent6"/>
-    </dgm:linClrLst>
-    <dgm:effectClrLst/>
-    <dgm:txLinClrLst/>
-    <dgm:txFillClrLst meth="repeat">
-      <a:schemeClr val="dk1"/>
-    </dgm:txFillClrLst>
-    <dgm:txEffectClrLst/>
-  </dgm:styleLbl>
-  <dgm:styleLbl name="fgAccFollowNode1">
-    <dgm:fillClrLst meth="repeat">
-      <a:schemeClr val="accent2">
-        <a:tint val="40000"/>
-        <a:alpha val="90000"/>
-      </a:schemeClr>
-      <a:schemeClr val="accent3">
-        <a:tint val="40000"/>
-        <a:alpha val="90000"/>
-      </a:schemeClr>
-      <a:schemeClr val="accent4">
-        <a:tint val="40000"/>
-        <a:alpha val="90000"/>
-      </a:schemeClr>
-      <a:schemeClr val="accent5">
-        <a:tint val="40000"/>
-        <a:alpha val="90000"/>
-      </a:schemeClr>
-      <a:schemeClr val="accent6">
-        <a:tint val="40000"/>
-        <a:alpha val="90000"/>
-      </a:schemeClr>
-    </dgm:fillClrLst>
-    <dgm:linClrLst meth="repeat">
-      <a:schemeClr val="accent2">
-        <a:tint val="40000"/>
-        <a:alpha val="90000"/>
-      </a:schemeClr>
-      <a:schemeClr val="accent3">
-        <a:tint val="40000"/>
-        <a:alpha val="90000"/>
-      </a:schemeClr>
-      <a:schemeClr val="accent4">
-        <a:tint val="40000"/>
-        <a:alpha val="90000"/>
-      </a:schemeClr>
-      <a:schemeClr val="accent5">
-        <a:tint val="40000"/>
-        <a:alpha val="90000"/>
-      </a:schemeClr>
-      <a:schemeClr val="accent6">
-        <a:tint val="40000"/>
-        <a:alpha val="90000"/>
-      </a:schemeClr>
-    </dgm:linClrLst>
-    <dgm:effectClrLst/>
-    <dgm:txLinClrLst/>
-    <dgm:txFillClrLst meth="repeat">
-      <a:schemeClr val="dk1"/>
-    </dgm:txFillClrLst>
-    <dgm:txEffectClrLst/>
-  </dgm:styleLbl>
-  <dgm:styleLbl name="alignAccFollowNode1">
-    <dgm:fillClrLst meth="repeat">
-      <a:schemeClr val="accent2">
-        <a:tint val="40000"/>
-        <a:alpha val="90000"/>
-      </a:schemeClr>
-      <a:schemeClr val="accent3">
-        <a:tint val="40000"/>
-        <a:alpha val="90000"/>
-      </a:schemeClr>
-      <a:schemeClr val="accent4">
-        <a:tint val="40000"/>
-        <a:alpha val="90000"/>
-      </a:schemeClr>
-      <a:schemeClr val="accent5">
-        <a:tint val="40000"/>
-        <a:alpha val="90000"/>
-      </a:schemeClr>
-      <a:schemeClr val="accent6">
-        <a:tint val="40000"/>
-        <a:alpha val="90000"/>
-      </a:schemeClr>
-    </dgm:fillClrLst>
-    <dgm:linClrLst meth="repeat">
-      <a:schemeClr val="accent2">
-        <a:tint val="40000"/>
-        <a:alpha val="90000"/>
-      </a:schemeClr>
-      <a:schemeClr val="accent3">
-        <a:tint val="40000"/>
-        <a:alpha val="90000"/>
-      </a:schemeClr>
-      <a:schemeClr val="accent4">
-        <a:tint val="40000"/>
-        <a:alpha val="90000"/>
-      </a:schemeClr>
-      <a:schemeClr val="accent5">
-        <a:tint val="40000"/>
-        <a:alpha val="90000"/>
-      </a:schemeClr>
-      <a:schemeClr val="accent6">
-        <a:tint val="40000"/>
-        <a:alpha val="90000"/>
-      </a:schemeClr>
-    </dgm:linClrLst>
-    <dgm:effectClrLst/>
-    <dgm:txLinClrLst/>
-    <dgm:txFillClrLst meth="repeat">
-      <a:schemeClr val="dk1"/>
-    </dgm:txFillClrLst>
-    <dgm:txEffectClrLst/>
-  </dgm:styleLbl>
-  <dgm:styleLbl name="bgAccFollowNode1">
-    <dgm:fillClrLst meth="repeat">
-      <a:schemeClr val="accent2">
-        <a:tint val="40000"/>
-        <a:alpha val="90000"/>
-      </a:schemeClr>
-      <a:schemeClr val="accent3">
-        <a:tint val="40000"/>
-        <a:alpha val="90000"/>
-      </a:schemeClr>
-      <a:schemeClr val="accent4">
-        <a:tint val="40000"/>
-        <a:alpha val="90000"/>
-      </a:schemeClr>
-      <a:schemeClr val="accent5">
-        <a:tint val="40000"/>
-        <a:alpha val="90000"/>
-      </a:schemeClr>
-      <a:schemeClr val="accent6">
-        <a:tint val="40000"/>
-        <a:alpha val="90000"/>
-      </a:schemeClr>
-    </dgm:fillClrLst>
-    <dgm:linClrLst meth="repeat">
-      <a:schemeClr val="accent2">
-        <a:tint val="40000"/>
-        <a:alpha val="90000"/>
-      </a:schemeClr>
-      <a:schemeClr val="accent3">
-        <a:tint val="40000"/>
-        <a:alpha val="90000"/>
-      </a:schemeClr>
-      <a:schemeClr val="accent4">
-        <a:tint val="40000"/>
-        <a:alpha val="90000"/>
-      </a:schemeClr>
-      <a:schemeClr val="accent5">
-        <a:tint val="40000"/>
-        <a:alpha val="90000"/>
-      </a:schemeClr>
-      <a:schemeClr val="accent6">
-        <a:tint val="40000"/>
-        <a:alpha val="90000"/>
-      </a:schemeClr>
-    </dgm:linClrLst>
-    <dgm:effectClrLst/>
-    <dgm:txLinClrLst/>
-    <dgm:txFillClrLst meth="repeat">
-      <a:schemeClr val="dk1"/>
-    </dgm:txFillClrLst>
-    <dgm:txEffectClrLst/>
-  </dgm:styleLbl>
-  <dgm:styleLbl name="fgAcc0">
-    <dgm:fillClrLst meth="repeat">
-      <a:schemeClr val="lt1">
-        <a:alpha val="90000"/>
-      </a:schemeClr>
-    </dgm:fillClrLst>
-    <dgm:linClrLst>
-      <a:schemeClr val="accent1"/>
-    </dgm:linClrLst>
-    <dgm:effectClrLst/>
-    <dgm:txLinClrLst/>
-    <dgm:txFillClrLst meth="repeat">
-      <a:schemeClr val="dk1"/>
-    </dgm:txFillClrLst>
-    <dgm:txEffectClrLst/>
-  </dgm:styleLbl>
-  <dgm:styleLbl name="fgAcc2">
-    <dgm:fillClrLst meth="repeat">
-      <a:schemeClr val="lt1">
-        <a:alpha val="90000"/>
-      </a:schemeClr>
-    </dgm:fillClrLst>
-    <dgm:linClrLst>
-      <a:schemeClr val="accent2"/>
-    </dgm:linClrLst>
-    <dgm:effectClrLst/>
-    <dgm:txLinClrLst/>
-    <dgm:txFillClrLst meth="repeat">
-      <a:schemeClr val="dk1"/>
-    </dgm:txFillClrLst>
-    <dgm:txEffectClrLst/>
-  </dgm:styleLbl>
-  <dgm:styleLbl name="fgAcc3">
-    <dgm:fillClrLst meth="repeat">
-      <a:schemeClr val="lt1">
-        <a:alpha val="90000"/>
-      </a:schemeClr>
-    </dgm:fillClrLst>
-    <dgm:linClrLst>
-      <a:schemeClr val="accent3"/>
-    </dgm:linClrLst>
-    <dgm:effectClrLst/>
-    <dgm:txLinClrLst/>
-    <dgm:txFillClrLst meth="repeat">
-      <a:schemeClr val="dk1"/>
-    </dgm:txFillClrLst>
-    <dgm:txEffectClrLst/>
-  </dgm:styleLbl>
-  <dgm:styleLbl name="fgAcc4">
-    <dgm:fillClrLst meth="repeat">
-      <a:schemeClr val="lt1">
-        <a:alpha val="90000"/>
-      </a:schemeClr>
-    </dgm:fillClrLst>
-    <dgm:linClrLst>
-      <a:schemeClr val="accent4"/>
-    </dgm:linClrLst>
-    <dgm:effectClrLst/>
-    <dgm:txLinClrLst/>
-    <dgm:txFillClrLst meth="repeat">
-      <a:schemeClr val="dk1"/>
-    </dgm:txFillClrLst>
-    <dgm:txEffectClrLst/>
-  </dgm:styleLbl>
-  <dgm:styleLbl name="bgShp">
-    <dgm:fillClrLst meth="repeat">
-      <a:schemeClr val="accent2"/>
-      <a:schemeClr val="accent3"/>
-      <a:schemeClr val="accent4"/>
-      <a:schemeClr val="accent5"/>
-      <a:schemeClr val="accent6"/>
-    </dgm:fillClrLst>
-    <dgm:linClrLst meth="repeat">
-      <a:schemeClr val="lt1">
-        <a:alpha val="0"/>
-      </a:schemeClr>
-    </dgm:linClrLst>
-    <dgm:effectClrLst/>
-    <dgm:txLinClrLst/>
-    <dgm:txFillClrLst/>
-    <dgm:txEffectClrLst/>
-  </dgm:styleLbl>
-  <dgm:styleLbl name="dkBgShp">
-    <dgm:fillClrLst meth="repeat">
-      <a:schemeClr val="accent2">
-        <a:shade val="90000"/>
-      </a:schemeClr>
-    </dgm:fillClrLst>
-    <dgm:linClrLst meth="repeat">
-      <a:schemeClr val="dk1"/>
-    </dgm:linClrLst>
-    <dgm:effectClrLst/>
-    <dgm:txLinClrLst/>
-    <dgm:txFillClrLst meth="repeat">
-      <a:schemeClr val="lt1"/>
-    </dgm:txFillClrLst>
-    <dgm:txEffectClrLst/>
-  </dgm:styleLbl>
-  <dgm:styleLbl name="trBgShp">
-    <dgm:fillClrLst meth="repeat">
-      <a:schemeClr val="accent1">
-        <a:tint val="50000"/>
-        <a:alpha val="40000"/>
-      </a:schemeClr>
-    </dgm:fillClrLst>
-    <dgm:linClrLst meth="repeat">
-      <a:schemeClr val="accent2"/>
-    </dgm:linClrLst>
-    <dgm:effectClrLst/>
-    <dgm:txLinClrLst/>
-    <dgm:txFillClrLst meth="repeat">
-      <a:schemeClr val="lt1"/>
-    </dgm:txFillClrLst>
-    <dgm:txEffectClrLst/>
-  </dgm:styleLbl>
-  <dgm:styleLbl name="fgShp">
-    <dgm:fillClrLst meth="repeat">
-      <a:schemeClr val="accent2">
-        <a:tint val="40000"/>
-      </a:schemeClr>
-    </dgm:fillClrLst>
-    <dgm:linClrLst meth="repeat">
-      <a:schemeClr val="lt1"/>
-    </dgm:linClrLst>
-    <dgm:effectClrLst/>
-    <dgm:txLinClrLst/>
-    <dgm:txFillClrLst meth="repeat">
-      <a:schemeClr val="dk1"/>
-    </dgm:txFillClrLst>
-    <dgm:txEffectClrLst/>
-  </dgm:styleLbl>
-  <dgm:styleLbl name="revTx">
-    <dgm:fillClrLst meth="repeat">
-      <a:schemeClr val="lt1">
-        <a:alpha val="0"/>
-      </a:schemeClr>
-    </dgm:fillClrLst>
-    <dgm:linClrLst meth="repeat">
-      <a:schemeClr val="dk1">
-        <a:alpha val="0"/>
-      </a:schemeClr>
-    </dgm:linClrLst>
-    <dgm:effectClrLst/>
-    <dgm:txLinClrLst/>
-    <dgm:txFillClrLst meth="repeat">
-      <a:schemeClr val="tx1"/>
-    </dgm:txFillClrLst>
-    <dgm:txEffectClrLst/>
-  </dgm:styleLbl>
-</dgm:colorsDef>
-</file>
-
-<file path=ppt/diagrams/data1.xml><?xml version="1.0" encoding="utf-8"?>
-<dgm:dataModel xmlns:dgm="http://schemas.openxmlformats.org/drawingml/2006/diagram" xmlns:a="http://schemas.openxmlformats.org/drawingml/2006/main">
-  <dgm:ptLst>
-    <dgm:pt modelId="{01A66772-F185-4D58-B8BB-E9370D7A7A2B}" type="doc">
-      <dgm:prSet loTypeId="urn:microsoft.com/office/officeart/2018/5/layout/IconCircleLabelList" loCatId="icon" qsTypeId="urn:microsoft.com/office/officeart/2005/8/quickstyle/simple1" qsCatId="simple" csTypeId="urn:microsoft.com/office/officeart/2018/5/colors/Iconchunking_neutralicon_colorful1" csCatId="colorful" phldr="1"/>
-      <dgm:spPr/>
-      <dgm:t>
-        <a:bodyPr/>
-        <a:lstStyle/>
-        <a:p>
-          <a:endParaRPr lang="en-US"/>
-        </a:p>
-      </dgm:t>
-    </dgm:pt>
-    <dgm:pt modelId="{40FC4FFE-8987-4A26-B7F4-8A516F18ADAE}">
-      <dgm:prSet/>
-      <dgm:spPr/>
-      <dgm:t>
-        <a:bodyPr/>
-        <a:lstStyle/>
-        <a:p>
-          <a:pPr>
-            <a:lnSpc>
-              <a:spcPct val="100000"/>
-            </a:lnSpc>
-            <a:defRPr cap="all"/>
-          </a:pPr>
-          <a:r>
-            <a:rPr lang="en-US" dirty="0"/>
-            <a:t>Lorem ipsum dolor sit amet, consectetuer adipiscing elit. </a:t>
-          </a:r>
-        </a:p>
-      </dgm:t>
-    </dgm:pt>
-    <dgm:pt modelId="{CAD7EF86-FB23-41F6-BF42-040B36DEFDB1}" type="parTrans" cxnId="{C7AD8469-3C68-4AF9-AB82-79B0043AA120}">
-      <dgm:prSet/>
-      <dgm:spPr/>
-      <dgm:t>
-        <a:bodyPr/>
-        <a:lstStyle/>
-        <a:p>
-          <a:endParaRPr lang="en-US"/>
-        </a:p>
-      </dgm:t>
-    </dgm:pt>
-    <dgm:pt modelId="{5B62599A-5C9B-48E7-896E-EA782AC60C8B}" type="sibTrans" cxnId="{C7AD8469-3C68-4AF9-AB82-79B0043AA120}">
-      <dgm:prSet/>
-      <dgm:spPr/>
-      <dgm:t>
-        <a:bodyPr/>
-        <a:lstStyle/>
-        <a:p>
-          <a:endParaRPr lang="en-US"/>
-        </a:p>
-      </dgm:t>
-    </dgm:pt>
-    <dgm:pt modelId="{49225C73-1633-42F1-AB3B-7CB183E5F8B8}">
-      <dgm:prSet/>
-      <dgm:spPr/>
-      <dgm:t>
-        <a:bodyPr/>
-        <a:lstStyle/>
-        <a:p>
-          <a:pPr>
-            <a:lnSpc>
-              <a:spcPct val="100000"/>
-            </a:lnSpc>
-            <a:defRPr cap="all"/>
-          </a:pPr>
-          <a:r>
-            <a:rPr lang="en-US" dirty="0"/>
-            <a:t>Nunc viverra imperdiet enim. Fusce est. Vivamus a tellus.</a:t>
-          </a:r>
-        </a:p>
-      </dgm:t>
-    </dgm:pt>
-    <dgm:pt modelId="{1A0E2090-1D4F-438A-8766-B6030CE01ADD}" type="parTrans" cxnId="{A9154303-8225-4248-91DC-1B0156A35F07}">
-      <dgm:prSet/>
-      <dgm:spPr/>
-      <dgm:t>
-        <a:bodyPr/>
-        <a:lstStyle/>
-        <a:p>
-          <a:endParaRPr lang="en-US"/>
-        </a:p>
-      </dgm:t>
-    </dgm:pt>
-    <dgm:pt modelId="{9646853A-8964-4519-A5B1-0B7D18B2983D}" type="sibTrans" cxnId="{A9154303-8225-4248-91DC-1B0156A35F07}">
-      <dgm:prSet/>
-      <dgm:spPr/>
-      <dgm:t>
-        <a:bodyPr/>
-        <a:lstStyle/>
-        <a:p>
-          <a:endParaRPr lang="en-US"/>
-        </a:p>
-      </dgm:t>
-    </dgm:pt>
-    <dgm:pt modelId="{1C383F32-22E8-4F62-A3E0-BDC3D5F48992}">
-      <dgm:prSet/>
-      <dgm:spPr/>
-      <dgm:t>
-        <a:bodyPr/>
-        <a:lstStyle/>
-        <a:p>
-          <a:pPr>
-            <a:lnSpc>
-              <a:spcPct val="100000"/>
-            </a:lnSpc>
-            <a:defRPr cap="all"/>
-          </a:pPr>
-          <a:r>
-            <a:rPr lang="en-US" dirty="0"/>
-            <a:t>Pellentesque habitant morbi tristique senectus et netus.</a:t>
-          </a:r>
-        </a:p>
-      </dgm:t>
-    </dgm:pt>
-    <dgm:pt modelId="{A7920A2F-3244-4159-AF04-6A1D38B7B317}" type="parTrans" cxnId="{C4CCE57E-E871-46D6-BAD5-880252C95D22}">
-      <dgm:prSet/>
-      <dgm:spPr/>
-      <dgm:t>
-        <a:bodyPr/>
-        <a:lstStyle/>
-        <a:p>
-          <a:endParaRPr lang="en-US"/>
-        </a:p>
-      </dgm:t>
-    </dgm:pt>
-    <dgm:pt modelId="{8500F72A-2C6D-4FDF-9C1D-CA691380EB0B}" type="sibTrans" cxnId="{C4CCE57E-E871-46D6-BAD5-880252C95D22}">
-      <dgm:prSet/>
-      <dgm:spPr/>
-      <dgm:t>
-        <a:bodyPr/>
-        <a:lstStyle/>
-        <a:p>
-          <a:endParaRPr lang="en-US"/>
-        </a:p>
-      </dgm:t>
-    </dgm:pt>
-    <dgm:pt modelId="{50B3CE7C-E10B-4E23-BD93-03664997C932}" type="pres">
-      <dgm:prSet presAssocID="{01A66772-F185-4D58-B8BB-E9370D7A7A2B}" presName="root" presStyleCnt="0">
-        <dgm:presLayoutVars>
-          <dgm:dir/>
-          <dgm:resizeHandles val="exact"/>
-        </dgm:presLayoutVars>
-      </dgm:prSet>
-      <dgm:spPr/>
-    </dgm:pt>
-    <dgm:pt modelId="{DE9CE479-E4AE-4283-AEF1-10C1535B4324}" type="pres">
-      <dgm:prSet presAssocID="{40FC4FFE-8987-4A26-B7F4-8A516F18ADAE}" presName="compNode" presStyleCnt="0"/>
-      <dgm:spPr/>
-    </dgm:pt>
-    <dgm:pt modelId="{B59FCF02-CAD2-4D6F-9542-AD86711168CA}" type="pres">
-      <dgm:prSet presAssocID="{40FC4FFE-8987-4A26-B7F4-8A516F18ADAE}" presName="iconBgRect" presStyleLbl="bgShp" presStyleIdx="0" presStyleCnt="3"/>
-      <dgm:spPr/>
-    </dgm:pt>
-    <dgm:pt modelId="{7C175B98-93F4-4D7C-BB95-1514AB879CD5}" type="pres">
-      <dgm:prSet presAssocID="{40FC4FFE-8987-4A26-B7F4-8A516F18ADAE}" presName="iconRect" presStyleLbl="node1" presStyleIdx="0" presStyleCnt="3"/>
-      <dgm:spPr>
-        <a:blipFill>
-          <a:blip xmlns:r="http://schemas.openxmlformats.org/officeDocument/2006/relationships" r:embed="rId1">
-            <a:extLst>
-              <a:ext uri="{28A0092B-C50C-407E-A947-70E740481C1C}">
-                <a14:useLocalDpi xmlns:a14="http://schemas.microsoft.com/office/drawing/2010/main" val="0"/>
-              </a:ext>
-              <a:ext uri="{96DAC541-7B7A-43D3-8B79-37D633B846F1}">
-                <asvg:svgBlip xmlns:asvg="http://schemas.microsoft.com/office/drawing/2016/SVG/main" r:embed="rId2"/>
-              </a:ext>
-            </a:extLst>
-          </a:blip>
-          <a:srcRect/>
-          <a:stretch>
-            <a:fillRect/>
-          </a:stretch>
-        </a:blipFill>
-        <a:ln>
-          <a:noFill/>
-        </a:ln>
-      </dgm:spPr>
-      <dgm:extLst>
-        <a:ext uri="{E40237B7-FDA0-4F09-8148-C483321AD2D9}">
-          <dgm14:cNvPr xmlns:dgm14="http://schemas.microsoft.com/office/drawing/2010/diagram" id="0" name="" descr="Bar graph with downward trend"/>
-        </a:ext>
-      </dgm:extLst>
-    </dgm:pt>
-    <dgm:pt modelId="{677A3090-5F01-43FD-9FA6-C0420AD80FD6}" type="pres">
-      <dgm:prSet presAssocID="{40FC4FFE-8987-4A26-B7F4-8A516F18ADAE}" presName="spaceRect" presStyleCnt="0"/>
-      <dgm:spPr/>
-    </dgm:pt>
-    <dgm:pt modelId="{127117FB-F8A7-4A20-A8A7-EC686DDC76D0}" type="pres">
-      <dgm:prSet presAssocID="{40FC4FFE-8987-4A26-B7F4-8A516F18ADAE}" presName="textRect" presStyleLbl="revTx" presStyleIdx="0" presStyleCnt="3">
-        <dgm:presLayoutVars>
-          <dgm:chMax val="1"/>
-          <dgm:chPref val="1"/>
-        </dgm:presLayoutVars>
-      </dgm:prSet>
-      <dgm:spPr/>
-    </dgm:pt>
-    <dgm:pt modelId="{FD1EED9C-83D3-41AD-A09B-D3B36354168F}" type="pres">
-      <dgm:prSet presAssocID="{5B62599A-5C9B-48E7-896E-EA782AC60C8B}" presName="sibTrans" presStyleCnt="0"/>
-      <dgm:spPr/>
-    </dgm:pt>
-    <dgm:pt modelId="{C998AB0A-577D-44AA-A068-F634DDE7BD47}" type="pres">
-      <dgm:prSet presAssocID="{49225C73-1633-42F1-AB3B-7CB183E5F8B8}" presName="compNode" presStyleCnt="0"/>
-      <dgm:spPr/>
-    </dgm:pt>
-    <dgm:pt modelId="{BCD8CDD9-0C56-4401-ADB1-8B48DAB2C96F}" type="pres">
-      <dgm:prSet presAssocID="{49225C73-1633-42F1-AB3B-7CB183E5F8B8}" presName="iconBgRect" presStyleLbl="bgShp" presStyleIdx="1" presStyleCnt="3"/>
-      <dgm:spPr/>
-    </dgm:pt>
-    <dgm:pt modelId="{DB4CA7C4-FCA1-4127-B20A-2A5C031A3CF4}" type="pres">
-      <dgm:prSet presAssocID="{49225C73-1633-42F1-AB3B-7CB183E5F8B8}" presName="iconRect" presStyleLbl="node1" presStyleIdx="1" presStyleCnt="3"/>
-      <dgm:spPr>
-        <a:blipFill>
-          <a:blip xmlns:r="http://schemas.openxmlformats.org/officeDocument/2006/relationships" r:embed="rId3">
-            <a:extLst>
-              <a:ext uri="{28A0092B-C50C-407E-A947-70E740481C1C}">
-                <a14:useLocalDpi xmlns:a14="http://schemas.microsoft.com/office/drawing/2010/main" val="0"/>
-              </a:ext>
-              <a:ext uri="{96DAC541-7B7A-43D3-8B79-37D633B846F1}">
-                <asvg:svgBlip xmlns:asvg="http://schemas.microsoft.com/office/drawing/2016/SVG/main" r:embed="rId4"/>
-              </a:ext>
-            </a:extLst>
-          </a:blip>
-          <a:srcRect/>
-          <a:stretch>
-            <a:fillRect/>
-          </a:stretch>
-        </a:blipFill>
-        <a:ln>
-          <a:noFill/>
-        </a:ln>
-      </dgm:spPr>
-      <dgm:extLst>
-        <a:ext uri="{E40237B7-FDA0-4F09-8148-C483321AD2D9}">
-          <dgm14:cNvPr xmlns:dgm14="http://schemas.microsoft.com/office/drawing/2010/diagram" id="0" name="" descr="Presentation with bar chart"/>
-        </a:ext>
-      </dgm:extLst>
-    </dgm:pt>
-    <dgm:pt modelId="{9B0C8FBF-0BDD-48A5-967E-F3FE71659F6A}" type="pres">
-      <dgm:prSet presAssocID="{49225C73-1633-42F1-AB3B-7CB183E5F8B8}" presName="spaceRect" presStyleCnt="0"/>
-      <dgm:spPr/>
-    </dgm:pt>
-    <dgm:pt modelId="{7E6FE37A-5DB0-4899-9FCB-0CE39BC185F8}" type="pres">
-      <dgm:prSet presAssocID="{49225C73-1633-42F1-AB3B-7CB183E5F8B8}" presName="textRect" presStyleLbl="revTx" presStyleIdx="1" presStyleCnt="3">
-        <dgm:presLayoutVars>
-          <dgm:chMax val="1"/>
-          <dgm:chPref val="1"/>
-        </dgm:presLayoutVars>
-      </dgm:prSet>
-      <dgm:spPr/>
-    </dgm:pt>
-    <dgm:pt modelId="{5A266296-0042-402F-92EF-D59AB148E92E}" type="pres">
-      <dgm:prSet presAssocID="{9646853A-8964-4519-A5B1-0B7D18B2983D}" presName="sibTrans" presStyleCnt="0"/>
-      <dgm:spPr/>
-    </dgm:pt>
-    <dgm:pt modelId="{ECFA770B-DE2C-4683-A038-58D0FE44BC27}" type="pres">
-      <dgm:prSet presAssocID="{1C383F32-22E8-4F62-A3E0-BDC3D5F48992}" presName="compNode" presStyleCnt="0"/>
-      <dgm:spPr/>
-    </dgm:pt>
-    <dgm:pt modelId="{FF93E135-77D6-48A0-8871-9BC93D705D06}" type="pres">
-      <dgm:prSet presAssocID="{1C383F32-22E8-4F62-A3E0-BDC3D5F48992}" presName="iconBgRect" presStyleLbl="bgShp" presStyleIdx="2" presStyleCnt="3"/>
-      <dgm:spPr/>
-    </dgm:pt>
-    <dgm:pt modelId="{39509775-983E-4110-B989-EE2CD6514BE0}" type="pres">
-      <dgm:prSet presAssocID="{1C383F32-22E8-4F62-A3E0-BDC3D5F48992}" presName="iconRect" presStyleLbl="node1" presStyleIdx="2" presStyleCnt="3"/>
-      <dgm:spPr>
-        <a:blipFill>
-          <a:blip xmlns:r="http://schemas.openxmlformats.org/officeDocument/2006/relationships" r:embed="rId5">
-            <a:extLst>
-              <a:ext uri="{28A0092B-C50C-407E-A947-70E740481C1C}">
-                <a14:useLocalDpi xmlns:a14="http://schemas.microsoft.com/office/drawing/2010/main" val="0"/>
-              </a:ext>
-              <a:ext uri="{96DAC541-7B7A-43D3-8B79-37D633B846F1}">
-                <asvg:svgBlip xmlns:asvg="http://schemas.microsoft.com/office/drawing/2016/SVG/main" r:embed="rId6"/>
-              </a:ext>
-            </a:extLst>
-          </a:blip>
-          <a:srcRect/>
-          <a:stretch>
-            <a:fillRect/>
-          </a:stretch>
-        </a:blipFill>
-        <a:ln>
-          <a:noFill/>
-        </a:ln>
-      </dgm:spPr>
-      <dgm:extLst>
-        <a:ext uri="{E40237B7-FDA0-4F09-8148-C483321AD2D9}">
-          <dgm14:cNvPr xmlns:dgm14="http://schemas.microsoft.com/office/drawing/2010/diagram" id="0" name="" descr="Stopwatch"/>
-        </a:ext>
-      </dgm:extLst>
-    </dgm:pt>
-    <dgm:pt modelId="{493B43B2-705C-4AE5-8A77-D8DEEDA1B5CF}" type="pres">
-      <dgm:prSet presAssocID="{1C383F32-22E8-4F62-A3E0-BDC3D5F48992}" presName="spaceRect" presStyleCnt="0"/>
-      <dgm:spPr/>
-    </dgm:pt>
-    <dgm:pt modelId="{1AEDC777-00B3-41D7-9AE1-23D741E941C3}" type="pres">
-      <dgm:prSet presAssocID="{1C383F32-22E8-4F62-A3E0-BDC3D5F48992}" presName="textRect" presStyleLbl="revTx" presStyleIdx="2" presStyleCnt="3">
-        <dgm:presLayoutVars>
-          <dgm:chMax val="1"/>
-          <dgm:chPref val="1"/>
-        </dgm:presLayoutVars>
-      </dgm:prSet>
-      <dgm:spPr/>
-    </dgm:pt>
-  </dgm:ptLst>
-  <dgm:cxnLst>
-    <dgm:cxn modelId="{A9154303-8225-4248-91DC-1B0156A35F07}" srcId="{01A66772-F185-4D58-B8BB-E9370D7A7A2B}" destId="{49225C73-1633-42F1-AB3B-7CB183E5F8B8}" srcOrd="1" destOrd="0" parTransId="{1A0E2090-1D4F-438A-8766-B6030CE01ADD}" sibTransId="{9646853A-8964-4519-A5B1-0B7D18B2983D}"/>
-    <dgm:cxn modelId="{7A710F69-5154-4855-ACF5-BC7C1BF85A80}" type="presOf" srcId="{49225C73-1633-42F1-AB3B-7CB183E5F8B8}" destId="{7E6FE37A-5DB0-4899-9FCB-0CE39BC185F8}" srcOrd="0" destOrd="0" presId="urn:microsoft.com/office/officeart/2018/5/layout/IconCircleLabelList"/>
-    <dgm:cxn modelId="{C7AD8469-3C68-4AF9-AB82-79B0043AA120}" srcId="{01A66772-F185-4D58-B8BB-E9370D7A7A2B}" destId="{40FC4FFE-8987-4A26-B7F4-8A516F18ADAE}" srcOrd="0" destOrd="0" parTransId="{CAD7EF86-FB23-41F6-BF42-040B36DEFDB1}" sibTransId="{5B62599A-5C9B-48E7-896E-EA782AC60C8B}"/>
-    <dgm:cxn modelId="{676D3A6A-6EA7-4483-BB12-0BD4A7D7AF9D}" type="presOf" srcId="{01A66772-F185-4D58-B8BB-E9370D7A7A2B}" destId="{50B3CE7C-E10B-4E23-BD93-03664997C932}" srcOrd="0" destOrd="0" presId="urn:microsoft.com/office/officeart/2018/5/layout/IconCircleLabelList"/>
-    <dgm:cxn modelId="{1496FC70-DB8B-48D4-98DE-DD2856E389EE}" type="presOf" srcId="{1C383F32-22E8-4F62-A3E0-BDC3D5F48992}" destId="{1AEDC777-00B3-41D7-9AE1-23D741E941C3}" srcOrd="0" destOrd="0" presId="urn:microsoft.com/office/officeart/2018/5/layout/IconCircleLabelList"/>
-    <dgm:cxn modelId="{C4CCE57E-E871-46D6-BAD5-880252C95D22}" srcId="{01A66772-F185-4D58-B8BB-E9370D7A7A2B}" destId="{1C383F32-22E8-4F62-A3E0-BDC3D5F48992}" srcOrd="2" destOrd="0" parTransId="{A7920A2F-3244-4159-AF04-6A1D38B7B317}" sibTransId="{8500F72A-2C6D-4FDF-9C1D-CA691380EB0B}"/>
-    <dgm:cxn modelId="{355227E3-55E0-4343-BC8D-FC0EB1694F48}" type="presOf" srcId="{40FC4FFE-8987-4A26-B7F4-8A516F18ADAE}" destId="{127117FB-F8A7-4A20-A8A7-EC686DDC76D0}" srcOrd="0" destOrd="0" presId="urn:microsoft.com/office/officeart/2018/5/layout/IconCircleLabelList"/>
-    <dgm:cxn modelId="{555498CB-3ED1-404E-A25F-EB243EFC5FB1}" type="presParOf" srcId="{50B3CE7C-E10B-4E23-BD93-03664997C932}" destId="{DE9CE479-E4AE-4283-AEF1-10C1535B4324}" srcOrd="0" destOrd="0" presId="urn:microsoft.com/office/officeart/2018/5/layout/IconCircleLabelList"/>
-    <dgm:cxn modelId="{11F12D49-CD08-4D50-BD13-3ECBC3A476A4}" type="presParOf" srcId="{DE9CE479-E4AE-4283-AEF1-10C1535B4324}" destId="{B59FCF02-CAD2-4D6F-9542-AD86711168CA}" srcOrd="0" destOrd="0" presId="urn:microsoft.com/office/officeart/2018/5/layout/IconCircleLabelList"/>
-    <dgm:cxn modelId="{F443A659-540B-487B-97F9-49219CF60D6B}" type="presParOf" srcId="{DE9CE479-E4AE-4283-AEF1-10C1535B4324}" destId="{7C175B98-93F4-4D7C-BB95-1514AB879CD5}" srcOrd="1" destOrd="0" presId="urn:microsoft.com/office/officeart/2018/5/layout/IconCircleLabelList"/>
-    <dgm:cxn modelId="{A503D7AB-7D64-4163-93B5-1CEEDAE81823}" type="presParOf" srcId="{DE9CE479-E4AE-4283-AEF1-10C1535B4324}" destId="{677A3090-5F01-43FD-9FA6-C0420AD80FD6}" srcOrd="2" destOrd="0" presId="urn:microsoft.com/office/officeart/2018/5/layout/IconCircleLabelList"/>
-    <dgm:cxn modelId="{780188ED-7DCE-45BB-B6AF-91BE48969612}" type="presParOf" srcId="{DE9CE479-E4AE-4283-AEF1-10C1535B4324}" destId="{127117FB-F8A7-4A20-A8A7-EC686DDC76D0}" srcOrd="3" destOrd="0" presId="urn:microsoft.com/office/officeart/2018/5/layout/IconCircleLabelList"/>
-    <dgm:cxn modelId="{155719F8-A89B-4E96-BC49-C48BC717F480}" type="presParOf" srcId="{50B3CE7C-E10B-4E23-BD93-03664997C932}" destId="{FD1EED9C-83D3-41AD-A09B-D3B36354168F}" srcOrd="1" destOrd="0" presId="urn:microsoft.com/office/officeart/2018/5/layout/IconCircleLabelList"/>
-    <dgm:cxn modelId="{2772E199-56B0-4310-A55E-67D00CA3E59E}" type="presParOf" srcId="{50B3CE7C-E10B-4E23-BD93-03664997C932}" destId="{C998AB0A-577D-44AA-A068-F634DDE7BD47}" srcOrd="2" destOrd="0" presId="urn:microsoft.com/office/officeart/2018/5/layout/IconCircleLabelList"/>
-    <dgm:cxn modelId="{4E351D18-D97F-4B92-A608-2E9600B91C28}" type="presParOf" srcId="{C998AB0A-577D-44AA-A068-F634DDE7BD47}" destId="{BCD8CDD9-0C56-4401-ADB1-8B48DAB2C96F}" srcOrd="0" destOrd="0" presId="urn:microsoft.com/office/officeart/2018/5/layout/IconCircleLabelList"/>
-    <dgm:cxn modelId="{B3DC724C-4569-4E9D-BD5A-49E4CD991FD0}" type="presParOf" srcId="{C998AB0A-577D-44AA-A068-F634DDE7BD47}" destId="{DB4CA7C4-FCA1-4127-B20A-2A5C031A3CF4}" srcOrd="1" destOrd="0" presId="urn:microsoft.com/office/officeart/2018/5/layout/IconCircleLabelList"/>
-    <dgm:cxn modelId="{AD1AB552-CCE0-4911-BB9E-5D4A60B21F4F}" type="presParOf" srcId="{C998AB0A-577D-44AA-A068-F634DDE7BD47}" destId="{9B0C8FBF-0BDD-48A5-967E-F3FE71659F6A}" srcOrd="2" destOrd="0" presId="urn:microsoft.com/office/officeart/2018/5/layout/IconCircleLabelList"/>
-    <dgm:cxn modelId="{8558F796-2D01-40FE-A21A-7530EEBC3BC3}" type="presParOf" srcId="{C998AB0A-577D-44AA-A068-F634DDE7BD47}" destId="{7E6FE37A-5DB0-4899-9FCB-0CE39BC185F8}" srcOrd="3" destOrd="0" presId="urn:microsoft.com/office/officeart/2018/5/layout/IconCircleLabelList"/>
-    <dgm:cxn modelId="{1532E2BE-82E9-40A4-A6F7-40B60FC879AE}" type="presParOf" srcId="{50B3CE7C-E10B-4E23-BD93-03664997C932}" destId="{5A266296-0042-402F-92EF-D59AB148E92E}" srcOrd="3" destOrd="0" presId="urn:microsoft.com/office/officeart/2018/5/layout/IconCircleLabelList"/>
-    <dgm:cxn modelId="{3A7F4DB9-1469-4F58-B633-24B7EEE084D1}" type="presParOf" srcId="{50B3CE7C-E10B-4E23-BD93-03664997C932}" destId="{ECFA770B-DE2C-4683-A038-58D0FE44BC27}" srcOrd="4" destOrd="0" presId="urn:microsoft.com/office/officeart/2018/5/layout/IconCircleLabelList"/>
-    <dgm:cxn modelId="{91311827-CDAC-4BA8-B4A3-117AFD1CEE2D}" type="presParOf" srcId="{ECFA770B-DE2C-4683-A038-58D0FE44BC27}" destId="{FF93E135-77D6-48A0-8871-9BC93D705D06}" srcOrd="0" destOrd="0" presId="urn:microsoft.com/office/officeart/2018/5/layout/IconCircleLabelList"/>
-    <dgm:cxn modelId="{83B7CA40-11B7-4507-8422-A40F02D469B2}" type="presParOf" srcId="{ECFA770B-DE2C-4683-A038-58D0FE44BC27}" destId="{39509775-983E-4110-B989-EE2CD6514BE0}" srcOrd="1" destOrd="0" presId="urn:microsoft.com/office/officeart/2018/5/layout/IconCircleLabelList"/>
-    <dgm:cxn modelId="{A44BB251-01EB-4DEF-A28C-6D495183E4DC}" type="presParOf" srcId="{ECFA770B-DE2C-4683-A038-58D0FE44BC27}" destId="{493B43B2-705C-4AE5-8A77-D8DEEDA1B5CF}" srcOrd="2" destOrd="0" presId="urn:microsoft.com/office/officeart/2018/5/layout/IconCircleLabelList"/>
-    <dgm:cxn modelId="{1EFA52DF-3C80-4DAA-BED6-AFE2F81796B2}" type="presParOf" srcId="{ECFA770B-DE2C-4683-A038-58D0FE44BC27}" destId="{1AEDC777-00B3-41D7-9AE1-23D741E941C3}" srcOrd="3" destOrd="0" presId="urn:microsoft.com/office/officeart/2018/5/layout/IconCircleLabelList"/>
-  </dgm:cxnLst>
-  <dgm:bg/>
-  <dgm:whole/>
-  <dgm:extLst>
-    <a:ext uri="http://schemas.microsoft.com/office/drawing/2008/diagram">
-      <dsp:dataModelExt xmlns:dsp="http://schemas.microsoft.com/office/drawing/2008/diagram" relId="rId6" minVer="http://schemas.openxmlformats.org/drawingml/2006/diagram"/>
-    </a:ext>
-  </dgm:extLst>
-</dgm:dataModel>
-</file>
-
-<file path=ppt/diagrams/drawing1.xml><?xml version="1.0" encoding="utf-8"?>
-<dsp:drawing xmlns:dgm="http://schemas.openxmlformats.org/drawingml/2006/diagram" xmlns:dsp="http://schemas.microsoft.com/office/drawing/2008/diagram" xmlns:a="http://schemas.openxmlformats.org/drawingml/2006/main">
-  <dsp:spTree>
-    <dsp:nvGrpSpPr>
-      <dsp:cNvPr id="0" name=""/>
-      <dsp:cNvGrpSpPr/>
-    </dsp:nvGrpSpPr>
-    <dsp:grpSpPr/>
-    <dsp:sp modelId="{B59FCF02-CAD2-4D6F-9542-AD86711168CA}">
-      <dsp:nvSpPr>
-        <dsp:cNvPr id="0" name=""/>
-        <dsp:cNvSpPr/>
-      </dsp:nvSpPr>
-      <dsp:spPr>
-        <a:xfrm>
-          <a:off x="616949" y="310305"/>
-          <a:ext cx="1818562" cy="1818562"/>
-        </a:xfrm>
-        <a:prstGeom prst="ellipse">
-          <a:avLst/>
-        </a:prstGeom>
-        <a:solidFill>
-          <a:schemeClr val="accent2">
-            <a:hueOff val="0"/>
-            <a:satOff val="0"/>
-            <a:lumOff val="0"/>
-            <a:alphaOff val="0"/>
-          </a:schemeClr>
-        </a:solidFill>
-        <a:ln>
-          <a:noFill/>
-        </a:ln>
-        <a:effectLst/>
-      </dsp:spPr>
-      <dsp:style>
-        <a:lnRef idx="0">
-          <a:scrgbClr r="0" g="0" b="0"/>
-        </a:lnRef>
-        <a:fillRef idx="1">
-          <a:scrgbClr r="0" g="0" b="0"/>
-        </a:fillRef>
-        <a:effectRef idx="0">
-          <a:scrgbClr r="0" g="0" b="0"/>
-        </a:effectRef>
-        <a:fontRef idx="minor"/>
-      </dsp:style>
-    </dsp:sp>
-    <dsp:sp modelId="{7C175B98-93F4-4D7C-BB95-1514AB879CD5}">
-      <dsp:nvSpPr>
-        <dsp:cNvPr id="0" name=""/>
-        <dsp:cNvSpPr/>
-      </dsp:nvSpPr>
-      <dsp:spPr>
-        <a:xfrm>
-          <a:off x="1004512" y="697868"/>
-          <a:ext cx="1043437" cy="1043437"/>
-        </a:xfrm>
-        <a:prstGeom prst="rect">
-          <a:avLst/>
-        </a:prstGeom>
-        <a:blipFill>
-          <a:blip xmlns:r="http://schemas.openxmlformats.org/officeDocument/2006/relationships" r:embed="rId1">
-            <a:extLst>
-              <a:ext uri="{28A0092B-C50C-407E-A947-70E740481C1C}">
-                <a14:useLocalDpi xmlns:a14="http://schemas.microsoft.com/office/drawing/2010/main" val="0"/>
-              </a:ext>
-              <a:ext uri="{96DAC541-7B7A-43D3-8B79-37D633B846F1}">
-                <asvg:svgBlip xmlns:asvg="http://schemas.microsoft.com/office/drawing/2016/SVG/main" r:embed="rId2"/>
-              </a:ext>
-            </a:extLst>
-          </a:blip>
-          <a:srcRect/>
-          <a:stretch>
-            <a:fillRect/>
-          </a:stretch>
-        </a:blipFill>
-        <a:ln w="12700" cap="flat" cmpd="sng" algn="ctr">
-          <a:noFill/>
-          <a:prstDash val="solid"/>
-        </a:ln>
-        <a:effectLst/>
-      </dsp:spPr>
-      <dsp:style>
-        <a:lnRef idx="2">
-          <a:scrgbClr r="0" g="0" b="0"/>
-        </a:lnRef>
-        <a:fillRef idx="1">
-          <a:scrgbClr r="0" g="0" b="0"/>
-        </a:fillRef>
-        <a:effectRef idx="0">
-          <a:scrgbClr r="0" g="0" b="0"/>
-        </a:effectRef>
-        <a:fontRef idx="minor">
-          <a:schemeClr val="lt1"/>
-        </a:fontRef>
-      </dsp:style>
-    </dsp:sp>
-    <dsp:sp modelId="{127117FB-F8A7-4A20-A8A7-EC686DDC76D0}">
-      <dsp:nvSpPr>
-        <dsp:cNvPr id="0" name=""/>
-        <dsp:cNvSpPr/>
-      </dsp:nvSpPr>
-      <dsp:spPr>
-        <a:xfrm>
-          <a:off x="35606" y="2695306"/>
-          <a:ext cx="2981250" cy="720000"/>
-        </a:xfrm>
-        <a:prstGeom prst="rect">
-          <a:avLst/>
-        </a:prstGeom>
-        <a:noFill/>
-        <a:ln>
-          <a:noFill/>
-        </a:ln>
-        <a:effectLst/>
-      </dsp:spPr>
-      <dsp:style>
-        <a:lnRef idx="0">
-          <a:scrgbClr r="0" g="0" b="0"/>
-        </a:lnRef>
-        <a:fillRef idx="0">
-          <a:scrgbClr r="0" g="0" b="0"/>
-        </a:fillRef>
-        <a:effectRef idx="0">
-          <a:scrgbClr r="0" g="0" b="0"/>
-        </a:effectRef>
-        <a:fontRef idx="minor"/>
-      </dsp:style>
-      <dsp:txBody>
-        <a:bodyPr spcFirstLastPara="0" vert="horz" wrap="square" lIns="0" tIns="0" rIns="0" bIns="0" numCol="1" spcCol="1270" anchor="t" anchorCtr="0">
-          <a:noAutofit/>
-        </a:bodyPr>
-        <a:lstStyle/>
-        <a:p>
-          <a:pPr marL="0" lvl="0" indent="0" algn="ctr" defTabSz="666750">
-            <a:lnSpc>
-              <a:spcPct val="100000"/>
-            </a:lnSpc>
-            <a:spcBef>
-              <a:spcPct val="0"/>
-            </a:spcBef>
-            <a:spcAft>
-              <a:spcPct val="35000"/>
-            </a:spcAft>
-            <a:buNone/>
-            <a:defRPr cap="all"/>
-          </a:pPr>
-          <a:r>
-            <a:rPr lang="en-US" sz="1500" kern="1200" dirty="0"/>
-            <a:t>Lorem ipsum dolor sit amet, consectetuer adipiscing elit. </a:t>
-          </a:r>
-        </a:p>
-      </dsp:txBody>
-      <dsp:txXfrm>
-        <a:off x="35606" y="2695306"/>
-        <a:ext cx="2981250" cy="720000"/>
-      </dsp:txXfrm>
-    </dsp:sp>
-    <dsp:sp modelId="{BCD8CDD9-0C56-4401-ADB1-8B48DAB2C96F}">
-      <dsp:nvSpPr>
-        <dsp:cNvPr id="0" name=""/>
-        <dsp:cNvSpPr/>
-      </dsp:nvSpPr>
-      <dsp:spPr>
-        <a:xfrm>
-          <a:off x="4119918" y="310305"/>
-          <a:ext cx="1818562" cy="1818562"/>
-        </a:xfrm>
-        <a:prstGeom prst="ellipse">
-          <a:avLst/>
-        </a:prstGeom>
-        <a:solidFill>
-          <a:schemeClr val="accent3">
-            <a:hueOff val="0"/>
-            <a:satOff val="0"/>
-            <a:lumOff val="0"/>
-            <a:alphaOff val="0"/>
-          </a:schemeClr>
-        </a:solidFill>
-        <a:ln>
-          <a:noFill/>
-        </a:ln>
-        <a:effectLst/>
-      </dsp:spPr>
-      <dsp:style>
-        <a:lnRef idx="0">
-          <a:scrgbClr r="0" g="0" b="0"/>
-        </a:lnRef>
-        <a:fillRef idx="1">
-          <a:scrgbClr r="0" g="0" b="0"/>
-        </a:fillRef>
-        <a:effectRef idx="0">
-          <a:scrgbClr r="0" g="0" b="0"/>
-        </a:effectRef>
-        <a:fontRef idx="minor"/>
-      </dsp:style>
-    </dsp:sp>
-    <dsp:sp modelId="{DB4CA7C4-FCA1-4127-B20A-2A5C031A3CF4}">
-      <dsp:nvSpPr>
-        <dsp:cNvPr id="0" name=""/>
-        <dsp:cNvSpPr/>
-      </dsp:nvSpPr>
-      <dsp:spPr>
-        <a:xfrm>
-          <a:off x="4507481" y="697868"/>
-          <a:ext cx="1043437" cy="1043437"/>
-        </a:xfrm>
-        <a:prstGeom prst="rect">
-          <a:avLst/>
-        </a:prstGeom>
-        <a:blipFill>
-          <a:blip xmlns:r="http://schemas.openxmlformats.org/officeDocument/2006/relationships" r:embed="rId3">
-            <a:extLst>
-              <a:ext uri="{28A0092B-C50C-407E-A947-70E740481C1C}">
-                <a14:useLocalDpi xmlns:a14="http://schemas.microsoft.com/office/drawing/2010/main" val="0"/>
-              </a:ext>
-              <a:ext uri="{96DAC541-7B7A-43D3-8B79-37D633B846F1}">
-                <asvg:svgBlip xmlns:asvg="http://schemas.microsoft.com/office/drawing/2016/SVG/main" r:embed="rId4"/>
-              </a:ext>
-            </a:extLst>
-          </a:blip>
-          <a:srcRect/>
-          <a:stretch>
-            <a:fillRect/>
-          </a:stretch>
-        </a:blipFill>
-        <a:ln w="12700" cap="flat" cmpd="sng" algn="ctr">
-          <a:noFill/>
-          <a:prstDash val="solid"/>
-        </a:ln>
-        <a:effectLst/>
-      </dsp:spPr>
-      <dsp:style>
-        <a:lnRef idx="2">
-          <a:scrgbClr r="0" g="0" b="0"/>
-        </a:lnRef>
-        <a:fillRef idx="1">
-          <a:scrgbClr r="0" g="0" b="0"/>
-        </a:fillRef>
-        <a:effectRef idx="0">
-          <a:scrgbClr r="0" g="0" b="0"/>
-        </a:effectRef>
-        <a:fontRef idx="minor">
-          <a:schemeClr val="lt1"/>
-        </a:fontRef>
-      </dsp:style>
-    </dsp:sp>
-    <dsp:sp modelId="{7E6FE37A-5DB0-4899-9FCB-0CE39BC185F8}">
-      <dsp:nvSpPr>
-        <dsp:cNvPr id="0" name=""/>
-        <dsp:cNvSpPr/>
-      </dsp:nvSpPr>
-      <dsp:spPr>
-        <a:xfrm>
-          <a:off x="3538574" y="2695306"/>
-          <a:ext cx="2981250" cy="720000"/>
-        </a:xfrm>
-        <a:prstGeom prst="rect">
-          <a:avLst/>
-        </a:prstGeom>
-        <a:noFill/>
-        <a:ln>
-          <a:noFill/>
-        </a:ln>
-        <a:effectLst/>
-      </dsp:spPr>
-      <dsp:style>
-        <a:lnRef idx="0">
-          <a:scrgbClr r="0" g="0" b="0"/>
-        </a:lnRef>
-        <a:fillRef idx="0">
-          <a:scrgbClr r="0" g="0" b="0"/>
-        </a:fillRef>
-        <a:effectRef idx="0">
-          <a:scrgbClr r="0" g="0" b="0"/>
-        </a:effectRef>
-        <a:fontRef idx="minor"/>
-      </dsp:style>
-      <dsp:txBody>
-        <a:bodyPr spcFirstLastPara="0" vert="horz" wrap="square" lIns="0" tIns="0" rIns="0" bIns="0" numCol="1" spcCol="1270" anchor="t" anchorCtr="0">
-          <a:noAutofit/>
-        </a:bodyPr>
-        <a:lstStyle/>
-        <a:p>
-          <a:pPr marL="0" lvl="0" indent="0" algn="ctr" defTabSz="666750">
-            <a:lnSpc>
-              <a:spcPct val="100000"/>
-            </a:lnSpc>
-            <a:spcBef>
-              <a:spcPct val="0"/>
-            </a:spcBef>
-            <a:spcAft>
-              <a:spcPct val="35000"/>
-            </a:spcAft>
-            <a:buNone/>
-            <a:defRPr cap="all"/>
-          </a:pPr>
-          <a:r>
-            <a:rPr lang="en-US" sz="1500" kern="1200" dirty="0"/>
-            <a:t>Nunc viverra imperdiet enim. Fusce est. Vivamus a tellus.</a:t>
-          </a:r>
-        </a:p>
-      </dsp:txBody>
-      <dsp:txXfrm>
-        <a:off x="3538574" y="2695306"/>
-        <a:ext cx="2981250" cy="720000"/>
-      </dsp:txXfrm>
-    </dsp:sp>
-    <dsp:sp modelId="{FF93E135-77D6-48A0-8871-9BC93D705D06}">
-      <dsp:nvSpPr>
-        <dsp:cNvPr id="0" name=""/>
-        <dsp:cNvSpPr/>
-      </dsp:nvSpPr>
-      <dsp:spPr>
-        <a:xfrm>
-          <a:off x="7622887" y="310305"/>
-          <a:ext cx="1818562" cy="1818562"/>
-        </a:xfrm>
-        <a:prstGeom prst="ellipse">
-          <a:avLst/>
-        </a:prstGeom>
-        <a:solidFill>
-          <a:schemeClr val="accent4">
-            <a:hueOff val="0"/>
-            <a:satOff val="0"/>
-            <a:lumOff val="0"/>
-            <a:alphaOff val="0"/>
-          </a:schemeClr>
-        </a:solidFill>
-        <a:ln>
-          <a:noFill/>
-        </a:ln>
-        <a:effectLst/>
-      </dsp:spPr>
-      <dsp:style>
-        <a:lnRef idx="0">
-          <a:scrgbClr r="0" g="0" b="0"/>
-        </a:lnRef>
-        <a:fillRef idx="1">
-          <a:scrgbClr r="0" g="0" b="0"/>
-        </a:fillRef>
-        <a:effectRef idx="0">
-          <a:scrgbClr r="0" g="0" b="0"/>
-        </a:effectRef>
-        <a:fontRef idx="minor"/>
-      </dsp:style>
-    </dsp:sp>
-    <dsp:sp modelId="{39509775-983E-4110-B989-EE2CD6514BE0}">
-      <dsp:nvSpPr>
-        <dsp:cNvPr id="0" name=""/>
-        <dsp:cNvSpPr/>
-      </dsp:nvSpPr>
-      <dsp:spPr>
-        <a:xfrm>
-          <a:off x="8010450" y="697868"/>
-          <a:ext cx="1043437" cy="1043437"/>
-        </a:xfrm>
-        <a:prstGeom prst="rect">
-          <a:avLst/>
-        </a:prstGeom>
-        <a:blipFill>
-          <a:blip xmlns:r="http://schemas.openxmlformats.org/officeDocument/2006/relationships" r:embed="rId5">
-            <a:extLst>
-              <a:ext uri="{28A0092B-C50C-407E-A947-70E740481C1C}">
-                <a14:useLocalDpi xmlns:a14="http://schemas.microsoft.com/office/drawing/2010/main" val="0"/>
-              </a:ext>
-              <a:ext uri="{96DAC541-7B7A-43D3-8B79-37D633B846F1}">
-                <asvg:svgBlip xmlns:asvg="http://schemas.microsoft.com/office/drawing/2016/SVG/main" r:embed="rId6"/>
-              </a:ext>
-            </a:extLst>
-          </a:blip>
-          <a:srcRect/>
-          <a:stretch>
-            <a:fillRect/>
-          </a:stretch>
-        </a:blipFill>
-        <a:ln w="12700" cap="flat" cmpd="sng" algn="ctr">
-          <a:noFill/>
-          <a:prstDash val="solid"/>
-        </a:ln>
-        <a:effectLst/>
-      </dsp:spPr>
-      <dsp:style>
-        <a:lnRef idx="2">
-          <a:scrgbClr r="0" g="0" b="0"/>
-        </a:lnRef>
-        <a:fillRef idx="1">
-          <a:scrgbClr r="0" g="0" b="0"/>
-        </a:fillRef>
-        <a:effectRef idx="0">
-          <a:scrgbClr r="0" g="0" b="0"/>
-        </a:effectRef>
-        <a:fontRef idx="minor">
-          <a:schemeClr val="lt1"/>
-        </a:fontRef>
-      </dsp:style>
-    </dsp:sp>
-    <dsp:sp modelId="{1AEDC777-00B3-41D7-9AE1-23D741E941C3}">
-      <dsp:nvSpPr>
-        <dsp:cNvPr id="0" name=""/>
-        <dsp:cNvSpPr/>
-      </dsp:nvSpPr>
-      <dsp:spPr>
-        <a:xfrm>
-          <a:off x="7041543" y="2695306"/>
-          <a:ext cx="2981250" cy="720000"/>
-        </a:xfrm>
-        <a:prstGeom prst="rect">
-          <a:avLst/>
-        </a:prstGeom>
-        <a:noFill/>
-        <a:ln>
-          <a:noFill/>
-        </a:ln>
-        <a:effectLst/>
-      </dsp:spPr>
-      <dsp:style>
-        <a:lnRef idx="0">
-          <a:scrgbClr r="0" g="0" b="0"/>
-        </a:lnRef>
-        <a:fillRef idx="0">
-          <a:scrgbClr r="0" g="0" b="0"/>
-        </a:fillRef>
-        <a:effectRef idx="0">
-          <a:scrgbClr r="0" g="0" b="0"/>
-        </a:effectRef>
-        <a:fontRef idx="minor"/>
-      </dsp:style>
-      <dsp:txBody>
-        <a:bodyPr spcFirstLastPara="0" vert="horz" wrap="square" lIns="0" tIns="0" rIns="0" bIns="0" numCol="1" spcCol="1270" anchor="t" anchorCtr="0">
-          <a:noAutofit/>
-        </a:bodyPr>
-        <a:lstStyle/>
-        <a:p>
-          <a:pPr marL="0" lvl="0" indent="0" algn="ctr" defTabSz="666750">
-            <a:lnSpc>
-              <a:spcPct val="100000"/>
-            </a:lnSpc>
-            <a:spcBef>
-              <a:spcPct val="0"/>
-            </a:spcBef>
-            <a:spcAft>
-              <a:spcPct val="35000"/>
-            </a:spcAft>
-            <a:buNone/>
-            <a:defRPr cap="all"/>
-          </a:pPr>
-          <a:r>
-            <a:rPr lang="en-US" sz="1500" kern="1200" dirty="0"/>
-            <a:t>Pellentesque habitant morbi tristique senectus et netus.</a:t>
-          </a:r>
-        </a:p>
-      </dsp:txBody>
-      <dsp:txXfrm>
-        <a:off x="7041543" y="2695306"/>
-        <a:ext cx="2981250" cy="720000"/>
-      </dsp:txXfrm>
-    </dsp:sp>
-  </dsp:spTree>
-</dsp:drawing>
-</file>
-
-<file path=ppt/diagrams/layout1.xml><?xml version="1.0" encoding="utf-8"?>
-<dgm:layoutDef xmlns:dgm="http://schemas.openxmlformats.org/drawingml/2006/diagram" xmlns:a="http://schemas.openxmlformats.org/drawingml/2006/main" uniqueId="urn:microsoft.com/office/officeart/2018/5/layout/IconCircleLabelList">
-  <dgm:title val="Icon Circle Label List"/>
-  <dgm:desc val="Use to show non-sequential or grouped chunks of information accompanied by a related visuals. Works best with icons or small pictures with short text captions."/>
-  <dgm:catLst>
-    <dgm:cat type="icon" pri="500"/>
-  </dgm:catLst>
-  <dgm:sampData useDef="1">
-    <dgm:dataModel>
-      <dgm:ptLst/>
-      <dgm:bg/>
-      <dgm:whole/>
-    </dgm:dataModel>
-  </dgm:sampData>
-  <dgm:styleData useDef="1">
-    <dgm:dataModel>
-      <dgm:ptLst/>
-      <dgm:bg/>
-      <dgm:whole/>
-    </dgm:dataModel>
-  </dgm:styleData>
-  <dgm:clrData useDef="1">
-    <dgm:dataModel>
-      <dgm:ptLst/>
-      <dgm:bg/>
-      <dgm:whole/>
-    </dgm:dataModel>
-  </dgm:clrData>
-  <dgm:layoutNode name="root">
-    <dgm:varLst>
-      <dgm:dir/>
-      <dgm:resizeHandles val="exact"/>
-    </dgm:varLst>
-    <dgm:choose name="Name0">
-      <dgm:if name="Name1" axis="self" func="var" arg="dir" op="equ" val="norm">
-        <dgm:alg type="snake">
-          <dgm:param type="grDir" val="tL"/>
-          <dgm:param type="flowDir" val="row"/>
-          <dgm:param type="contDir" val="sameDir"/>
-          <dgm:param type="off" val="ctr"/>
-          <dgm:param type="vertAlign" val="mid"/>
-          <dgm:param type="horzAlign" val="ctr"/>
-        </dgm:alg>
-      </dgm:if>
-      <dgm:else name="Name2">
-        <dgm:alg type="snake">
-          <dgm:param type="grDir" val="tR"/>
-          <dgm:param type="flowDir" val="row"/>
-          <dgm:param type="contDir" val="sameDir"/>
-          <dgm:param type="off" val="ctr"/>
-          <dgm:param type="vertAlign" val="mid"/>
-          <dgm:param type="horzAlign" val="ctr"/>
-        </dgm:alg>
-      </dgm:else>
-    </dgm:choose>
-    <dgm:shape xmlns:r="http://schemas.openxmlformats.org/officeDocument/2006/relationships" r:blip="">
-      <dgm:adjLst/>
-    </dgm:shape>
-    <dgm:presOf/>
-    <dgm:choose name="Name3">
-      <dgm:if name="Name4" axis="ch" ptType="node" func="cnt" op="lte" val="2">
-        <dgm:constrLst>
-          <dgm:constr type="h" for="ch" forName="compNode" refType="h" fact="0.4"/>
-          <dgm:constr type="w" for="ch" forName="compNode" val="100"/>
-          <dgm:constr type="w" for="ch" forName="sibTrans" refType="w" refFor="ch" refForName="compNode" fact="0.175"/>
-          <dgm:constr type="sp" refType="w" refFor="ch" refForName="compNode" op="equ" fact="0.25"/>
-          <dgm:constr type="primFontSz" for="des" ptType="node" op="equ" val="44"/>
-          <dgm:constr type="h" for="des" forName="compNode" op="equ"/>
-          <dgm:constr type="h" for="des" forName="textRect" op="equ"/>
-        </dgm:constrLst>
-      </dgm:if>
-      <dgm:if name="Name5" axis="ch" ptType="node" func="cnt" op="lte" val="3">
-        <dgm:constrLst>
-          <dgm:constr type="h" for="ch" forName="compNode" refType="h" fact="0.4"/>
-          <dgm:constr type="w" for="ch" forName="compNode" val="100"/>
-          <dgm:constr type="w" for="ch" forName="sibTrans" refType="w" refFor="ch" refForName="compNode" fact="0.175"/>
-          <dgm:constr type="sp" refType="w" refFor="ch" refForName="compNode" op="equ" fact="0.25"/>
-          <dgm:constr type="primFontSz" for="des" ptType="node" op="equ" val="40"/>
-          <dgm:constr type="h" for="des" forName="compNode" op="equ"/>
-          <dgm:constr type="h" for="des" forName="textRect" op="equ"/>
-        </dgm:constrLst>
-      </dgm:if>
-      <dgm:if name="Name6" axis="ch" ptType="node" func="cnt" op="lte" val="4">
-        <dgm:constrLst>
-          <dgm:constr type="h" for="ch" forName="compNode" refType="h" fact="0.4"/>
-          <dgm:constr type="w" for="ch" forName="compNode" refType="w"/>
-          <dgm:constr type="w" for="ch" forName="sibTrans" refType="w" refFor="ch" refForName="compNode" fact="0.175"/>
-          <dgm:constr type="sp" refType="w" refFor="ch" refForName="compNode" op="equ" fact="0.25"/>
-          <dgm:constr type="primFontSz" for="des" ptType="node" op="equ" val="32"/>
-          <dgm:constr type="h" for="des" forName="compNode" op="equ"/>
-          <dgm:constr type="h" for="des" forName="textRect" op="equ"/>
-        </dgm:constrLst>
-      </dgm:if>
-      <dgm:else name="Name7">
-        <dgm:constrLst>
-          <dgm:constr type="h" for="ch" forName="compNode" refType="h" fact="0.4"/>
-          <dgm:constr type="w" for="ch" forName="compNode" refType="w"/>
-          <dgm:constr type="w" for="ch" forName="sibTrans" refType="w" refFor="ch" refForName="compNode" fact="0.175"/>
-          <dgm:constr type="sp" refType="w" refFor="ch" refForName="compNode" op="equ" fact="0.25"/>
-          <dgm:constr type="primFontSz" for="des" ptType="node" op="equ" val="24"/>
-          <dgm:constr type="h" for="des" forName="compNode" op="equ"/>
-          <dgm:constr type="h" for="des" forName="textRect" op="equ"/>
-        </dgm:constrLst>
-      </dgm:else>
-    </dgm:choose>
-    <dgm:ruleLst>
-      <dgm:rule type="w" for="ch" forName="compNode" val="50" fact="NaN" max="NaN"/>
-    </dgm:ruleLst>
-    <dgm:forEach name="Name8" axis="ch" ptType="node">
-      <dgm:layoutNode name="compNode">
-        <dgm:alg type="composite"/>
-        <dgm:shape xmlns:r="http://schemas.openxmlformats.org/officeDocument/2006/relationships" r:blip="">
-          <dgm:adjLst/>
-        </dgm:shape>
-        <dgm:presOf axis="self"/>
-        <dgm:constrLst>
-          <dgm:constr type="w" for="ch" forName="iconBgRect" refType="w" fact="0.61"/>
-          <dgm:constr type="h" for="ch" forName="iconBgRect" refType="w" refFor="ch" refForName="iconBgRect"/>
-          <dgm:constr type="t" for="ch" forName="iconBgRect"/>
-          <dgm:constr type="ctrX" for="ch" forName="iconBgRect" refType="w" fact="0.5"/>
-          <dgm:constr type="w" for="ch" forName="iconRect" refType="w" fact="0.35"/>
-          <dgm:constr type="h" for="ch" forName="iconRect" refType="w" refFor="ch" refForName="iconRect"/>
-          <dgm:constr type="ctrX" for="ch" forName="iconRect" refType="ctrX" refFor="ch" refForName="iconBgRect"/>
-          <dgm:constr type="ctrY" for="ch" forName="iconRect" refType="ctrY" refFor="ch" refForName="iconBgRect"/>
-          <dgm:constr type="h" for="ch" forName="spaceRect" refType="w" fact="0.19"/>
-          <dgm:constr type="w" for="ch" forName="spaceRect" refType="w"/>
-          <dgm:constr type="l" for="ch" forName="spaceRect"/>
-          <dgm:constr type="t" for="ch" forName="spaceRect" refType="b" refFor="ch" refForName="iconBgRect"/>
-          <dgm:constr type="h" for="ch" forName="textRect" val="20"/>
-          <dgm:constr type="w" for="ch" forName="textRect" refType="w"/>
-          <dgm:constr type="l" for="ch" forName="textRect"/>
-          <dgm:constr type="t" for="ch" forName="textRect" refType="b" refFor="ch" refForName="spaceRect"/>
-        </dgm:constrLst>
-        <dgm:ruleLst>
-          <dgm:rule type="h" val="INF" fact="NaN" max="NaN"/>
-        </dgm:ruleLst>
-        <dgm:layoutNode name="iconBgRect" styleLbl="bgShp">
-          <dgm:alg type="sp"/>
-          <dgm:shape xmlns:r="http://schemas.openxmlformats.org/officeDocument/2006/relationships" type="ellipse" r:blip="">
-            <dgm:adjLst/>
-          </dgm:shape>
-          <dgm:presOf/>
-          <dgm:constrLst/>
-          <dgm:ruleLst/>
-        </dgm:layoutNode>
-        <dgm:layoutNode name="iconRect" styleLbl="node1">
-          <dgm:alg type="sp"/>
-          <dgm:shape xmlns:r="http://schemas.openxmlformats.org/officeDocument/2006/relationships" type="rect" r:blip="" blipPhldr="1">
-            <dgm:adjLst/>
-          </dgm:shape>
-          <dgm:presOf/>
-          <dgm:constrLst/>
-          <dgm:ruleLst/>
-        </dgm:layoutNode>
-        <dgm:layoutNode name="spaceRect">
-          <dgm:alg type="sp"/>
-          <dgm:shape xmlns:r="http://schemas.openxmlformats.org/officeDocument/2006/relationships" r:blip="">
-            <dgm:adjLst/>
-          </dgm:shape>
-          <dgm:presOf/>
-          <dgm:constrLst/>
-          <dgm:ruleLst/>
-        </dgm:layoutNode>
-        <dgm:layoutNode name="textRect" styleLbl="revTx">
-          <dgm:varLst>
-            <dgm:chMax val="1"/>
-            <dgm:chPref val="1"/>
-          </dgm:varLst>
-          <dgm:alg type="tx">
-            <dgm:param type="txAnchorVert" val="t"/>
-          </dgm:alg>
-          <dgm:shape xmlns:r="http://schemas.openxmlformats.org/officeDocument/2006/relationships" type="rect" r:blip="">
-            <dgm:adjLst/>
-          </dgm:shape>
-          <dgm:presOf axis="self" ptType="node"/>
-          <dgm:constrLst>
-            <dgm:constr type="lMarg"/>
-            <dgm:constr type="rMarg"/>
-            <dgm:constr type="tMarg"/>
-            <dgm:constr type="bMarg"/>
-          </dgm:constrLst>
-          <dgm:ruleLst>
-            <dgm:rule type="primFontSz" val="11" fact="NaN" max="NaN"/>
-            <dgm:rule type="h" val="INF" fact="NaN" max="NaN"/>
-          </dgm:ruleLst>
-        </dgm:layoutNode>
-      </dgm:layoutNode>
-      <dgm:forEach name="Name9" axis="followSib" ptType="sibTrans" cnt="1">
-        <dgm:layoutNode name="sibTrans">
-          <dgm:alg type="sp"/>
-          <dgm:shape xmlns:r="http://schemas.openxmlformats.org/officeDocument/2006/relationships" r:blip="">
-            <dgm:adjLst/>
-          </dgm:shape>
-          <dgm:presOf axis="self"/>
-          <dgm:constrLst/>
-          <dgm:ruleLst/>
-        </dgm:layoutNode>
-      </dgm:forEach>
-    </dgm:forEach>
-  </dgm:layoutNode>
-  <dgm:extLst>
-    <a:ext uri="{68A01E43-0DF5-4B5B-8FA6-DAF915123BFB}">
-      <dgm1612:lstStyle xmlns:dgm1612="http://schemas.microsoft.com/office/drawing/2016/12/diagram">
-        <a:lvl1pPr>
-          <a:lnSpc>
-            <a:spcPct val="100000"/>
-          </a:lnSpc>
-          <a:defRPr cap="all"/>
-        </a:lvl1pPr>
-      </dgm1612:lstStyle>
-    </a:ext>
-  </dgm:extLst>
-</dgm:layoutDef>
-</file>
-
-<file path=ppt/diagrams/quickStyle1.xml><?xml version="1.0" encoding="utf-8"?>
-<dgm:styleDef xmlns:dgm="http://schemas.openxmlformats.org/drawingml/2006/diagram" xmlns:a="http://schemas.openxmlformats.org/drawingml/2006/main" uniqueId="urn:microsoft.com/office/officeart/2005/8/quickstyle/simple1">
-  <dgm:title val=""/>
-  <dgm:desc val=""/>
-  <dgm:catLst>
-    <dgm:cat type="simple" pri="10100"/>
-  </dgm:catLst>
-  <dgm:scene3d>
-    <a:camera prst="orthographicFront"/>
-    <a:lightRig rig="threePt" dir="t"/>
-  </dgm:scene3d>
-  <dgm:styleLbl name="node0">
-    <dgm:scene3d>
-      <a:camera prst="orthographicFront"/>
-      <a:lightRig rig="threePt" dir="t"/>
-    </dgm:scene3d>
-    <dgm:sp3d/>
-    <dgm:txPr/>
-    <dgm:style>
-      <a:lnRef idx="2">
-        <a:scrgbClr r="0" g="0" b="0"/>
-      </a:lnRef>
-      <a:fillRef idx="1">
-        <a:scrgbClr r="0" g="0" b="0"/>
-      </a:fillRef>
-      <a:effectRef idx="0">
-        <a:scrgbClr r="0" g="0" b="0"/>
-      </a:effectRef>
-      <a:fontRef idx="minor">
-        <a:schemeClr val="lt1"/>
-      </a:fontRef>
-    </dgm:style>
-  </dgm:styleLbl>
-  <dgm:styleLbl name="lnNode1">
-    <dgm:scene3d>
-      <a:camera prst="orthographicFront"/>
-      <a:lightRig rig="threePt" dir="t"/>
-    </dgm:scene3d>
-    <dgm:sp3d/>
-    <dgm:txPr/>
-    <dgm:style>
-      <a:lnRef idx="2">
-        <a:scrgbClr r="0" g="0" b="0"/>
-      </a:lnRef>
-      <a:fillRef idx="1">
-        <a:scrgbClr r="0" g="0" b="0"/>
-      </a:fillRef>
-      <a:effectRef idx="0">
-        <a:scrgbClr r="0" g="0" b="0"/>
-      </a:effectRef>
-      <a:fontRef idx="minor">
-        <a:schemeClr val="lt1"/>
-      </a:fontRef>
-    </dgm:style>
-  </dgm:styleLbl>
-  <dgm:styleLbl name="vennNode1">
-    <dgm:scene3d>
-      <a:camera prst="orthographicFront"/>
-      <a:lightRig rig="threePt" dir="t"/>
-    </dgm:scene3d>
-    <dgm:sp3d/>
-    <dgm:txPr/>
-    <dgm:style>
-      <a:lnRef idx="2">
-        <a:scrgbClr r="0" g="0" b="0"/>
-      </a:lnRef>
-      <a:fillRef idx="1">
-        <a:scrgbClr r="0" g="0" b="0"/>
-      </a:fillRef>
-      <a:effectRef idx="0">
-        <a:scrgbClr r="0" g="0" b="0"/>
-      </a:effectRef>
-      <a:fontRef idx="minor">
-        <a:schemeClr val="tx1"/>
-      </a:fontRef>
-    </dgm:style>
-  </dgm:styleLbl>
-  <dgm:styleLbl name="alignNode1">
-    <dgm:scene3d>
-      <a:camera prst="orthographicFront"/>
-      <a:lightRig rig="threePt" dir="t"/>
-    </dgm:scene3d>
-    <dgm:sp3d/>
-    <dgm:txPr/>
-    <dgm:style>
-      <a:lnRef idx="2">
-        <a:scrgbClr r="0" g="0" b="0"/>
-      </a:lnRef>
-      <a:fillRef idx="1">
-        <a:scrgbClr r="0" g="0" b="0"/>
-      </a:fillRef>
-      <a:effectRef idx="0">
-        <a:scrgbClr r="0" g="0" b="0"/>
-      </a:effectRef>
-      <a:fontRef idx="minor">
-        <a:schemeClr val="lt1"/>
-      </a:fontRef>
-    </dgm:style>
-  </dgm:styleLbl>
-  <dgm:styleLbl name="node1">
-    <dgm:scene3d>
-      <a:camera prst="orthographicFront"/>
-      <a:lightRig rig="threePt" dir="t"/>
-    </dgm:scene3d>
-    <dgm:sp3d/>
-    <dgm:txPr/>
-    <dgm:style>
-      <a:lnRef idx="2">
-        <a:scrgbClr r="0" g="0" b="0"/>
-      </a:lnRef>
-      <a:fillRef idx="1">
-        <a:scrgbClr r="0" g="0" b="0"/>
-      </a:fillRef>
-      <a:effectRef idx="0">
-        <a:scrgbClr r="0" g="0" b="0"/>
-      </a:effectRef>
-      <a:fontRef idx="minor">
-        <a:schemeClr val="lt1"/>
-      </a:fontRef>
-    </dgm:style>
-  </dgm:styleLbl>
-  <dgm:styleLbl name="node2">
-    <dgm:scene3d>
-      <a:camera prst="orthographicFront"/>
-      <a:lightRig rig="threePt" dir="t"/>
-    </dgm:scene3d>
-    <dgm:sp3d/>
-    <dgm:txPr/>
-    <dgm:style>
-      <a:lnRef idx="2">
-        <a:scrgbClr r="0" g="0" b="0"/>
-      </a:lnRef>
-      <a:fillRef idx="1">
-        <a:scrgbClr r="0" g="0" b="0"/>
-      </a:fillRef>
-      <a:effectRef idx="0">
-        <a:scrgbClr r="0" g="0" b="0"/>
-      </a:effectRef>
-      <a:fontRef idx="minor">
-        <a:schemeClr val="lt1"/>
-      </a:fontRef>
-    </dgm:style>
-  </dgm:styleLbl>
-  <dgm:styleLbl name="node3">
-    <dgm:scene3d>
-      <a:camera prst="orthographicFront"/>
-      <a:lightRig rig="threePt" dir="t"/>
-    </dgm:scene3d>
-    <dgm:sp3d/>
-    <dgm:txPr/>
-    <dgm:style>
-      <a:lnRef idx="2">
-        <a:scrgbClr r="0" g="0" b="0"/>
-      </a:lnRef>
-      <a:fillRef idx="1">
-        <a:scrgbClr r="0" g="0" b="0"/>
-      </a:fillRef>
-      <a:effectRef idx="0">
-        <a:scrgbClr r="0" g="0" b="0"/>
-      </a:effectRef>
-      <a:fontRef idx="minor">
-        <a:schemeClr val="lt1"/>
-      </a:fontRef>
-    </dgm:style>
-  </dgm:styleLbl>
-  <dgm:styleLbl name="node4">
-    <dgm:scene3d>
-      <a:camera prst="orthographicFront"/>
-      <a:lightRig rig="threePt" dir="t"/>
-    </dgm:scene3d>
-    <dgm:sp3d/>
-    <dgm:txPr/>
-    <dgm:style>
-      <a:lnRef idx="2">
-        <a:scrgbClr r="0" g="0" b="0"/>
-      </a:lnRef>
-      <a:fillRef idx="1">
-        <a:scrgbClr r="0" g="0" b="0"/>
-      </a:fillRef>
-      <a:effectRef idx="0">
-        <a:scrgbClr r="0" g="0" b="0"/>
-      </a:effectRef>
-      <a:fontRef idx="minor">
-        <a:schemeClr val="lt1"/>
-      </a:fontRef>
-    </dgm:style>
-  </dgm:styleLbl>
-  <dgm:styleLbl name="fgImgPlace1">
-    <dgm:scene3d>
-      <a:camera prst="orthographicFront"/>
-      <a:lightRig rig="threePt" dir="t"/>
-    </dgm:scene3d>
-    <dgm:sp3d/>
-    <dgm:txPr/>
-    <dgm:style>
-      <a:lnRef idx="2">
-        <a:scrgbClr r="0" g="0" b="0"/>
-      </a:lnRef>
-      <a:fillRef idx="1">
-        <a:scrgbClr r="0" g="0" b="0"/>
-      </a:fillRef>
-      <a:effectRef idx="0">
-        <a:scrgbClr r="0" g="0" b="0"/>
-      </a:effectRef>
-      <a:fontRef idx="minor"/>
-    </dgm:style>
-  </dgm:styleLbl>
-  <dgm:styleLbl name="alignImgPlace1">
-    <dgm:scene3d>
-      <a:camera prst="orthographicFront"/>
-      <a:lightRig rig="threePt" dir="t"/>
-    </dgm:scene3d>
-    <dgm:sp3d/>
-    <dgm:txPr/>
-    <dgm:style>
-      <a:lnRef idx="2">
-        <a:scrgbClr r="0" g="0" b="0"/>
-      </a:lnRef>
-      <a:fillRef idx="1">
-        <a:scrgbClr r="0" g="0" b="0"/>
-      </a:fillRef>
-      <a:effectRef idx="0">
-        <a:scrgbClr r="0" g="0" b="0"/>
-      </a:effectRef>
-      <a:fontRef idx="minor"/>
-    </dgm:style>
-  </dgm:styleLbl>
-  <dgm:styleLbl name="bgImgPlace1">
-    <dgm:scene3d>
-      <a:camera prst="orthographicFront"/>
-      <a:lightRig rig="threePt" dir="t"/>
-    </dgm:scene3d>
-    <dgm:sp3d/>
-    <dgm:txPr/>
-    <dgm:style>
-      <a:lnRef idx="2">
-        <a:scrgbClr r="0" g="0" b="0"/>
-      </a:lnRef>
-      <a:fillRef idx="1">
-        <a:scrgbClr r="0" g="0" b="0"/>
-      </a:fillRef>
-      <a:effectRef idx="0">
-        <a:scrgbClr r="0" g="0" b="0"/>
-      </a:effectRef>
-      <a:fontRef idx="minor"/>
-    </dgm:style>
-  </dgm:styleLbl>
-  <dgm:styleLbl name="sibTrans2D1">
-    <dgm:scene3d>
-      <a:camera prst="orthographicFront"/>
-      <a:lightRig rig="threePt" dir="t"/>
-    </dgm:scene3d>
-    <dgm:sp3d/>
-    <dgm:txPr/>
-    <dgm:style>
-      <a:lnRef idx="0">
-        <a:scrgbClr r="0" g="0" b="0"/>
-      </a:lnRef>
-      <a:fillRef idx="1">
-        <a:scrgbClr r="0" g="0" b="0"/>
-      </a:fillRef>
-      <a:effectRef idx="0">
-        <a:scrgbClr r="0" g="0" b="0"/>
-      </a:effectRef>
-      <a:fontRef idx="minor">
-        <a:schemeClr val="lt1"/>
-      </a:fontRef>
-    </dgm:style>
-  </dgm:styleLbl>
-  <dgm:styleLbl name="fgSibTrans2D1">
-    <dgm:scene3d>
-      <a:camera prst="orthographicFront"/>
-      <a:lightRig rig="threePt" dir="t"/>
-    </dgm:scene3d>
-    <dgm:sp3d/>
-    <dgm:txPr/>
-    <dgm:style>
-      <a:lnRef idx="0">
-        <a:scrgbClr r="0" g="0" b="0"/>
-      </a:lnRef>
-      <a:fillRef idx="1">
-        <a:scrgbClr r="0" g="0" b="0"/>
-      </a:fillRef>
-      <a:effectRef idx="0">
-        <a:scrgbClr r="0" g="0" b="0"/>
-      </a:effectRef>
-      <a:fontRef idx="minor">
-        <a:schemeClr val="lt1"/>
-      </a:fontRef>
-    </dgm:style>
-  </dgm:styleLbl>
-  <dgm:styleLbl name="bgSibTrans2D1">
-    <dgm:scene3d>
-      <a:camera prst="orthographicFront"/>
-      <a:lightRig rig="threePt" dir="t"/>
-    </dgm:scene3d>
-    <dgm:sp3d/>
-    <dgm:txPr/>
-    <dgm:style>
-      <a:lnRef idx="0">
-        <a:scrgbClr r="0" g="0" b="0"/>
-      </a:lnRef>
-      <a:fillRef idx="1">
-        <a:scrgbClr r="0" g="0" b="0"/>
-      </a:fillRef>
-      <a:effectRef idx="0">
-        <a:scrgbClr r="0" g="0" b="0"/>
-      </a:effectRef>
-      <a:fontRef idx="minor">
-        <a:schemeClr val="lt1"/>
-      </a:fontRef>
-    </dgm:style>
-  </dgm:styleLbl>
-  <dgm:styleLbl name="sibTrans1D1">
-    <dgm:scene3d>
-      <a:camera prst="orthographicFront"/>
-      <a:lightRig rig="threePt" dir="t"/>
-    </dgm:scene3d>
-    <dgm:sp3d/>
-    <dgm:txPr/>
-    <dgm:style>
-      <a:lnRef idx="1">
-        <a:scrgbClr r="0" g="0" b="0"/>
-      </a:lnRef>
-      <a:fillRef idx="0">
-        <a:scrgbClr r="0" g="0" b="0"/>
-      </a:fillRef>
-      <a:effectRef idx="0">
-        <a:scrgbClr r="0" g="0" b="0"/>
-      </a:effectRef>
-      <a:fontRef idx="minor"/>
-    </dgm:style>
-  </dgm:styleLbl>
-  <dgm:styleLbl name="callout">
-    <dgm:scene3d>
-      <a:camera prst="orthographicFront"/>
-      <a:lightRig rig="threePt" dir="t"/>
-    </dgm:scene3d>
-    <dgm:sp3d/>
-    <dgm:txPr/>
-    <dgm:style>
-      <a:lnRef idx="2">
-        <a:scrgbClr r="0" g="0" b="0"/>
-      </a:lnRef>
-      <a:fillRef idx="1">
-        <a:scrgbClr r="0" g="0" b="0"/>
-      </a:fillRef>
-      <a:effectRef idx="0">
-        <a:scrgbClr r="0" g="0" b="0"/>
-      </a:effectRef>
-      <a:fontRef idx="minor"/>
-    </dgm:style>
-  </dgm:styleLbl>
-  <dgm:styleLbl name="asst0">
-    <dgm:scene3d>
-      <a:camera prst="orthographicFront"/>
-      <a:lightRig rig="threePt" dir="t"/>
-    </dgm:scene3d>
-    <dgm:sp3d/>
-    <dgm:txPr/>
-    <dgm:style>
-      <a:lnRef idx="2">
-        <a:scrgbClr r="0" g="0" b="0"/>
-      </a:lnRef>
-      <a:fillRef idx="1">
-        <a:scrgbClr r="0" g="0" b="0"/>
-      </a:fillRef>
-      <a:effectRef idx="0">
-        <a:scrgbClr r="0" g="0" b="0"/>
-      </a:effectRef>
-      <a:fontRef idx="minor">
-        <a:schemeClr val="lt1"/>
-      </a:fontRef>
-    </dgm:style>
-  </dgm:styleLbl>
-  <dgm:styleLbl name="asst1">
-    <dgm:scene3d>
-      <a:camera prst="orthographicFront"/>
-      <a:lightRig rig="threePt" dir="t"/>
-    </dgm:scene3d>
-    <dgm:sp3d/>
-    <dgm:txPr/>
-    <dgm:style>
-      <a:lnRef idx="2">
-        <a:scrgbClr r="0" g="0" b="0"/>
-      </a:lnRef>
-      <a:fillRef idx="1">
-        <a:scrgbClr r="0" g="0" b="0"/>
-      </a:fillRef>
-      <a:effectRef idx="0">
-        <a:scrgbClr r="0" g="0" b="0"/>
-      </a:effectRef>
-      <a:fontRef idx="minor">
-        <a:schemeClr val="lt1"/>
-      </a:fontRef>
-    </dgm:style>
-  </dgm:styleLbl>
-  <dgm:styleLbl name="asst2">
-    <dgm:scene3d>
-      <a:camera prst="orthographicFront"/>
-      <a:lightRig rig="threePt" dir="t"/>
-    </dgm:scene3d>
-    <dgm:sp3d/>
-    <dgm:txPr/>
-    <dgm:style>
-      <a:lnRef idx="2">
-        <a:scrgbClr r="0" g="0" b="0"/>
-      </a:lnRef>
-      <a:fillRef idx="1">
-        <a:scrgbClr r="0" g="0" b="0"/>
-      </a:fillRef>
-      <a:effectRef idx="0">
-        <a:scrgbClr r="0" g="0" b="0"/>
-      </a:effectRef>
-      <a:fontRef idx="minor">
-        <a:schemeClr val="lt1"/>
-      </a:fontRef>
-    </dgm:style>
-  </dgm:styleLbl>
-  <dgm:styleLbl name="asst3">
-    <dgm:scene3d>
-      <a:camera prst="orthographicFront"/>
-      <a:lightRig rig="threePt" dir="t"/>
-    </dgm:scene3d>
-    <dgm:sp3d/>
-    <dgm:txPr/>
-    <dgm:style>
-      <a:lnRef idx="2">
-        <a:scrgbClr r="0" g="0" b="0"/>
-      </a:lnRef>
-      <a:fillRef idx="1">
-        <a:scrgbClr r="0" g="0" b="0"/>
-      </a:fillRef>
-      <a:effectRef idx="0">
-        <a:scrgbClr r="0" g="0" b="0"/>
-      </a:effectRef>
-      <a:fontRef idx="minor">
-        <a:schemeClr val="lt1"/>
-      </a:fontRef>
-    </dgm:style>
-  </dgm:styleLbl>
-  <dgm:styleLbl name="asst4">
-    <dgm:scene3d>
-      <a:camera prst="orthographicFront"/>
-      <a:lightRig rig="threePt" dir="t"/>
-    </dgm:scene3d>
-    <dgm:sp3d/>
-    <dgm:txPr/>
-    <dgm:style>
-      <a:lnRef idx="2">
-        <a:scrgbClr r="0" g="0" b="0"/>
-      </a:lnRef>
-      <a:fillRef idx="1">
-        <a:scrgbClr r="0" g="0" b="0"/>
-      </a:fillRef>
-      <a:effectRef idx="0">
-        <a:scrgbClr r="0" g="0" b="0"/>
-      </a:effectRef>
-      <a:fontRef idx="minor">
-        <a:schemeClr val="lt1"/>
-      </a:fontRef>
-    </dgm:style>
-  </dgm:styleLbl>
-  <dgm:styleLbl name="parChTrans2D1">
-    <dgm:scene3d>
-      <a:camera prst="orthographicFront"/>
-      <a:lightRig rig="threePt" dir="t"/>
-    </dgm:scene3d>
-    <dgm:sp3d/>
-    <dgm:txPr/>
-    <dgm:style>
-      <a:lnRef idx="2">
-        <a:scrgbClr r="0" g="0" b="0"/>
-      </a:lnRef>
-      <a:fillRef idx="1">
-        <a:scrgbClr r="0" g="0" b="0"/>
-      </a:fillRef>
-      <a:effectRef idx="0">
-        <a:scrgbClr r="0" g="0" b="0"/>
-      </a:effectRef>
-      <a:fontRef idx="minor">
-        <a:schemeClr val="lt1"/>
-      </a:fontRef>
-    </dgm:style>
-  </dgm:styleLbl>
-  <dgm:styleLbl name="parChTrans2D2">
-    <dgm:scene3d>
-      <a:camera prst="orthographicFront"/>
-      <a:lightRig rig="threePt" dir="t"/>
-    </dgm:scene3d>
-    <dgm:sp3d/>
-    <dgm:txPr/>
-    <dgm:style>
-      <a:lnRef idx="2">
-        <a:scrgbClr r="0" g="0" b="0"/>
-      </a:lnRef>
-      <a:fillRef idx="1">
-        <a:scrgbClr r="0" g="0" b="0"/>
-      </a:fillRef>
-      <a:effectRef idx="0">
-        <a:scrgbClr r="0" g="0" b="0"/>
-      </a:effectRef>
-      <a:fontRef idx="minor">
-        <a:schemeClr val="lt1"/>
-      </a:fontRef>
-    </dgm:style>
-  </dgm:styleLbl>
-  <dgm:styleLbl name="parChTrans2D3">
-    <dgm:scene3d>
-      <a:camera prst="orthographicFront"/>
-      <a:lightRig rig="threePt" dir="t"/>
-    </dgm:scene3d>
-    <dgm:sp3d/>
-    <dgm:txPr/>
-    <dgm:style>
-      <a:lnRef idx="2">
-        <a:scrgbClr r="0" g="0" b="0"/>
-      </a:lnRef>
-      <a:fillRef idx="1">
-        <a:scrgbClr r="0" g="0" b="0"/>
-      </a:fillRef>
-      <a:effectRef idx="0">
-        <a:scrgbClr r="0" g="0" b="0"/>
-      </a:effectRef>
-      <a:fontRef idx="minor">
-        <a:schemeClr val="lt1"/>
-      </a:fontRef>
-    </dgm:style>
-  </dgm:styleLbl>
-  <dgm:styleLbl name="parChTrans2D4">
-    <dgm:scene3d>
-      <a:camera prst="orthographicFront"/>
-      <a:lightRig rig="threePt" dir="t"/>
-    </dgm:scene3d>
-    <dgm:sp3d/>
-    <dgm:txPr/>
-    <dgm:style>
-      <a:lnRef idx="2">
-        <a:scrgbClr r="0" g="0" b="0"/>
-      </a:lnRef>
-      <a:fillRef idx="1">
-        <a:scrgbClr r="0" g="0" b="0"/>
-      </a:fillRef>
-      <a:effectRef idx="0">
-        <a:scrgbClr r="0" g="0" b="0"/>
-      </a:effectRef>
-      <a:fontRef idx="minor">
-        <a:schemeClr val="lt1"/>
-      </a:fontRef>
-    </dgm:style>
-  </dgm:styleLbl>
-  <dgm:styleLbl name="parChTrans1D1">
-    <dgm:scene3d>
-      <a:camera prst="orthographicFront"/>
-      <a:lightRig rig="threePt" dir="t"/>
-    </dgm:scene3d>
-    <dgm:sp3d/>
-    <dgm:txPr/>
-    <dgm:style>
-      <a:lnRef idx="2">
-        <a:scrgbClr r="0" g="0" b="0"/>
-      </a:lnRef>
-      <a:fillRef idx="0">
-        <a:scrgbClr r="0" g="0" b="0"/>
-      </a:fillRef>
-      <a:effectRef idx="0">
-        <a:scrgbClr r="0" g="0" b="0"/>
-      </a:effectRef>
-      <a:fontRef idx="minor"/>
-    </dgm:style>
-  </dgm:styleLbl>
-  <dgm:styleLbl name="parChTrans1D2">
-    <dgm:scene3d>
-      <a:camera prst="orthographicFront"/>
-      <a:lightRig rig="threePt" dir="t"/>
-    </dgm:scene3d>
-    <dgm:sp3d/>
-    <dgm:txPr/>
-    <dgm:style>
-      <a:lnRef idx="2">
-        <a:scrgbClr r="0" g="0" b="0"/>
-      </a:lnRef>
-      <a:fillRef idx="0">
-        <a:scrgbClr r="0" g="0" b="0"/>
-      </a:fillRef>
-      <a:effectRef idx="0">
-        <a:scrgbClr r="0" g="0" b="0"/>
-      </a:effectRef>
-      <a:fontRef idx="minor"/>
-    </dgm:style>
-  </dgm:styleLbl>
-  <dgm:styleLbl name="parChTrans1D3">
-    <dgm:scene3d>
-      <a:camera prst="orthographicFront"/>
-      <a:lightRig rig="threePt" dir="t"/>
-    </dgm:scene3d>
-    <dgm:sp3d/>
-    <dgm:txPr/>
-    <dgm:style>
-      <a:lnRef idx="2">
-        <a:scrgbClr r="0" g="0" b="0"/>
-      </a:lnRef>
-      <a:fillRef idx="0">
-        <a:scrgbClr r="0" g="0" b="0"/>
-      </a:fillRef>
-      <a:effectRef idx="0">
-        <a:scrgbClr r="0" g="0" b="0"/>
-      </a:effectRef>
-      <a:fontRef idx="minor"/>
-    </dgm:style>
-  </dgm:styleLbl>
-  <dgm:styleLbl name="parChTrans1D4">
-    <dgm:scene3d>
-      <a:camera prst="orthographicFront"/>
-      <a:lightRig rig="threePt" dir="t"/>
-    </dgm:scene3d>
-    <dgm:sp3d/>
-    <dgm:txPr/>
-    <dgm:style>
-      <a:lnRef idx="2">
-        <a:scrgbClr r="0" g="0" b="0"/>
-      </a:lnRef>
-      <a:fillRef idx="0">
-        <a:scrgbClr r="0" g="0" b="0"/>
-      </a:fillRef>
-      <a:effectRef idx="0">
-        <a:scrgbClr r="0" g="0" b="0"/>
-      </a:effectRef>
-      <a:fontRef idx="minor"/>
-    </dgm:style>
-  </dgm:styleLbl>
-  <dgm:styleLbl name="fgAcc1">
-    <dgm:scene3d>
-      <a:camera prst="orthographicFront"/>
-      <a:lightRig rig="threePt" dir="t"/>
-    </dgm:scene3d>
-    <dgm:sp3d/>
-    <dgm:txPr/>
-    <dgm:style>
-      <a:lnRef idx="2">
-        <a:scrgbClr r="0" g="0" b="0"/>
-      </a:lnRef>
-      <a:fillRef idx="1">
-        <a:scrgbClr r="0" g="0" b="0"/>
-      </a:fillRef>
-      <a:effectRef idx="0">
-        <a:scrgbClr r="0" g="0" b="0"/>
-      </a:effectRef>
-      <a:fontRef idx="minor"/>
-    </dgm:style>
-  </dgm:styleLbl>
-  <dgm:styleLbl name="conFgAcc1">
-    <dgm:scene3d>
-      <a:camera prst="orthographicFront"/>
-      <a:lightRig rig="threePt" dir="t"/>
-    </dgm:scene3d>
-    <dgm:sp3d/>
-    <dgm:txPr/>
-    <dgm:style>
-      <a:lnRef idx="2">
-        <a:scrgbClr r="0" g="0" b="0"/>
-      </a:lnRef>
-      <a:fillRef idx="1">
-        <a:scrgbClr r="0" g="0" b="0"/>
-      </a:fillRef>
-      <a:effectRef idx="0">
-        <a:scrgbClr r="0" g="0" b="0"/>
-      </a:effectRef>
-      <a:fontRef idx="minor"/>
-    </dgm:style>
-  </dgm:styleLbl>
-  <dgm:styleLbl name="alignAcc1">
-    <dgm:scene3d>
-      <a:camera prst="orthographicFront"/>
-      <a:lightRig rig="threePt" dir="t"/>
-    </dgm:scene3d>
-    <dgm:sp3d/>
-    <dgm:txPr/>
-    <dgm:style>
-      <a:lnRef idx="2">
-        <a:scrgbClr r="0" g="0" b="0"/>
-      </a:lnRef>
-      <a:fillRef idx="1">
-        <a:scrgbClr r="0" g="0" b="0"/>
-      </a:fillRef>
-      <a:effectRef idx="0">
-        <a:scrgbClr r="0" g="0" b="0"/>
-      </a:effectRef>
-      <a:fontRef idx="minor"/>
-    </dgm:style>
-  </dgm:styleLbl>
-  <dgm:styleLbl name="trAlignAcc1">
-    <dgm:scene3d>
-      <a:camera prst="orthographicFront"/>
-      <a:lightRig rig="threePt" dir="t"/>
-    </dgm:scene3d>
-    <dgm:sp3d/>
-    <dgm:txPr/>
-    <dgm:style>
-      <a:lnRef idx="1">
-        <a:scrgbClr r="0" g="0" b="0"/>
-      </a:lnRef>
-      <a:fillRef idx="1">
-        <a:scrgbClr r="0" g="0" b="0"/>
-      </a:fillRef>
-      <a:effectRef idx="0">
-        <a:scrgbClr r="0" g="0" b="0"/>
-      </a:effectRef>
-      <a:fontRef idx="minor"/>
-    </dgm:style>
-  </dgm:styleLbl>
-  <dgm:styleLbl name="bgAcc1">
-    <dgm:scene3d>
-      <a:camera prst="orthographicFront"/>
-      <a:lightRig rig="threePt" dir="t"/>
-    </dgm:scene3d>
-    <dgm:sp3d/>
-    <dgm:txPr/>
-    <dgm:style>
-      <a:lnRef idx="2">
-        <a:scrgbClr r="0" g="0" b="0"/>
-      </a:lnRef>
-      <a:fillRef idx="1">
-        <a:scrgbClr r="0" g="0" b="0"/>
-      </a:fillRef>
-      <a:effectRef idx="0">
-        <a:scrgbClr r="0" g="0" b="0"/>
-      </a:effectRef>
-      <a:fontRef idx="minor"/>
-    </dgm:style>
-  </dgm:styleLbl>
-  <dgm:styleLbl name="solidFgAcc1">
-    <dgm:scene3d>
-      <a:camera prst="orthographicFront"/>
-      <a:lightRig rig="threePt" dir="t"/>
-    </dgm:scene3d>
-    <dgm:sp3d/>
-    <dgm:txPr/>
-    <dgm:style>
-      <a:lnRef idx="2">
-        <a:scrgbClr r="0" g="0" b="0"/>
-      </a:lnRef>
-      <a:fillRef idx="1">
-        <a:scrgbClr r="0" g="0" b="0"/>
-      </a:fillRef>
-      <a:effectRef idx="0">
-        <a:scrgbClr r="0" g="0" b="0"/>
-      </a:effectRef>
-      <a:fontRef idx="minor"/>
-    </dgm:style>
-  </dgm:styleLbl>
-  <dgm:styleLbl name="solidAlignAcc1">
-    <dgm:scene3d>
-      <a:camera prst="orthographicFront"/>
-      <a:lightRig rig="threePt" dir="t"/>
-    </dgm:scene3d>
-    <dgm:sp3d/>
-    <dgm:txPr/>
-    <dgm:style>
-      <a:lnRef idx="2">
-        <a:scrgbClr r="0" g="0" b="0"/>
-      </a:lnRef>
-      <a:fillRef idx="1">
-        <a:scrgbClr r="0" g="0" b="0"/>
-      </a:fillRef>
-      <a:effectRef idx="0">
-        <a:scrgbClr r="0" g="0" b="0"/>
-      </a:effectRef>
-      <a:fontRef idx="minor"/>
-    </dgm:style>
-  </dgm:styleLbl>
-  <dgm:styleLbl name="solidBgAcc1">
-    <dgm:scene3d>
-      <a:camera prst="orthographicFront"/>
-      <a:lightRig rig="threePt" dir="t"/>
-    </dgm:scene3d>
-    <dgm:sp3d/>
-    <dgm:txPr/>
-    <dgm:style>
-      <a:lnRef idx="2">
-        <a:scrgbClr r="0" g="0" b="0"/>
-      </a:lnRef>
-      <a:fillRef idx="1">
-        <a:scrgbClr r="0" g="0" b="0"/>
-      </a:fillRef>
-      <a:effectRef idx="0">
-        <a:scrgbClr r="0" g="0" b="0"/>
-      </a:effectRef>
-      <a:fontRef idx="minor"/>
-    </dgm:style>
-  </dgm:styleLbl>
-  <dgm:styleLbl name="fgAccFollowNode1">
-    <dgm:scene3d>
-      <a:camera prst="orthographicFront"/>
-      <a:lightRig rig="threePt" dir="t"/>
-    </dgm:scene3d>
-    <dgm:sp3d/>
-    <dgm:txPr/>
-    <dgm:style>
-      <a:lnRef idx="2">
-        <a:scrgbClr r="0" g="0" b="0"/>
-      </a:lnRef>
-      <a:fillRef idx="1">
-        <a:scrgbClr r="0" g="0" b="0"/>
-      </a:fillRef>
-      <a:effectRef idx="0">
-        <a:scrgbClr r="0" g="0" b="0"/>
-      </a:effectRef>
-      <a:fontRef idx="minor"/>
-    </dgm:style>
-  </dgm:styleLbl>
-  <dgm:styleLbl name="alignAccFollowNode1">
-    <dgm:scene3d>
-      <a:camera prst="orthographicFront"/>
-      <a:lightRig rig="threePt" dir="t"/>
-    </dgm:scene3d>
-    <dgm:sp3d/>
-    <dgm:txPr/>
-    <dgm:style>
-      <a:lnRef idx="2">
-        <a:scrgbClr r="0" g="0" b="0"/>
-      </a:lnRef>
-      <a:fillRef idx="1">
-        <a:scrgbClr r="0" g="0" b="0"/>
-      </a:fillRef>
-      <a:effectRef idx="0">
-        <a:scrgbClr r="0" g="0" b="0"/>
-      </a:effectRef>
-      <a:fontRef idx="minor"/>
-    </dgm:style>
-  </dgm:styleLbl>
-  <dgm:styleLbl name="bgAccFollowNode1">
-    <dgm:scene3d>
-      <a:camera prst="orthographicFront"/>
-      <a:lightRig rig="threePt" dir="t"/>
-    </dgm:scene3d>
-    <dgm:sp3d/>
-    <dgm:txPr/>
-    <dgm:style>
-      <a:lnRef idx="2">
-        <a:scrgbClr r="0" g="0" b="0"/>
-      </a:lnRef>
-      <a:fillRef idx="1">
-        <a:scrgbClr r="0" g="0" b="0"/>
-      </a:fillRef>
-      <a:effectRef idx="0">
-        <a:scrgbClr r="0" g="0" b="0"/>
-      </a:effectRef>
-      <a:fontRef idx="minor"/>
-    </dgm:style>
-  </dgm:styleLbl>
-  <dgm:styleLbl name="fgAcc0">
-    <dgm:scene3d>
-      <a:camera prst="orthographicFront"/>
-      <a:lightRig rig="threePt" dir="t"/>
-    </dgm:scene3d>
-    <dgm:sp3d/>
-    <dgm:txPr/>
-    <dgm:style>
-      <a:lnRef idx="2">
-        <a:scrgbClr r="0" g="0" b="0"/>
-      </a:lnRef>
-      <a:fillRef idx="1">
-        <a:scrgbClr r="0" g="0" b="0"/>
-      </a:fillRef>
-      <a:effectRef idx="0">
-        <a:scrgbClr r="0" g="0" b="0"/>
-      </a:effectRef>
-      <a:fontRef idx="minor"/>
-    </dgm:style>
-  </dgm:styleLbl>
-  <dgm:styleLbl name="fgAcc2">
-    <dgm:scene3d>
-      <a:camera prst="orthographicFront"/>
-      <a:lightRig rig="threePt" dir="t"/>
-    </dgm:scene3d>
-    <dgm:sp3d/>
-    <dgm:txPr/>
-    <dgm:style>
-      <a:lnRef idx="2">
-        <a:scrgbClr r="0" g="0" b="0"/>
-      </a:lnRef>
-      <a:fillRef idx="1">
-        <a:scrgbClr r="0" g="0" b="0"/>
-      </a:fillRef>
-      <a:effectRef idx="0">
-        <a:scrgbClr r="0" g="0" b="0"/>
-      </a:effectRef>
-      <a:fontRef idx="minor"/>
-    </dgm:style>
-  </dgm:styleLbl>
-  <dgm:styleLbl name="fgAcc3">
-    <dgm:scene3d>
-      <a:camera prst="orthographicFront"/>
-      <a:lightRig rig="threePt" dir="t"/>
-    </dgm:scene3d>
-    <dgm:sp3d/>
-    <dgm:txPr/>
-    <dgm:style>
-      <a:lnRef idx="2">
-        <a:scrgbClr r="0" g="0" b="0"/>
-      </a:lnRef>
-      <a:fillRef idx="1">
-        <a:scrgbClr r="0" g="0" b="0"/>
-      </a:fillRef>
-      <a:effectRef idx="0">
-        <a:scrgbClr r="0" g="0" b="0"/>
-      </a:effectRef>
-      <a:fontRef idx="minor"/>
-    </dgm:style>
-  </dgm:styleLbl>
-  <dgm:styleLbl name="fgAcc4">
-    <dgm:scene3d>
-      <a:camera prst="orthographicFront"/>
-      <a:lightRig rig="threePt" dir="t"/>
-    </dgm:scene3d>
-    <dgm:sp3d/>
-    <dgm:txPr/>
-    <dgm:style>
-      <a:lnRef idx="2">
-        <a:scrgbClr r="0" g="0" b="0"/>
-      </a:lnRef>
-      <a:fillRef idx="1">
-        <a:scrgbClr r="0" g="0" b="0"/>
-      </a:fillRef>
-      <a:effectRef idx="0">
-        <a:scrgbClr r="0" g="0" b="0"/>
-      </a:effectRef>
-      <a:fontRef idx="minor"/>
-    </dgm:style>
-  </dgm:styleLbl>
-  <dgm:styleLbl name="bgShp">
-    <dgm:scene3d>
-      <a:camera prst="orthographicFront"/>
-      <a:lightRig rig="threePt" dir="t"/>
-    </dgm:scene3d>
-    <dgm:sp3d/>
-    <dgm:txPr/>
-    <dgm:style>
-      <a:lnRef idx="0">
-        <a:scrgbClr r="0" g="0" b="0"/>
-      </a:lnRef>
-      <a:fillRef idx="1">
-        <a:scrgbClr r="0" g="0" b="0"/>
-      </a:fillRef>
-      <a:effectRef idx="0">
-        <a:scrgbClr r="0" g="0" b="0"/>
-      </a:effectRef>
-      <a:fontRef idx="minor"/>
-    </dgm:style>
-  </dgm:styleLbl>
-  <dgm:styleLbl name="dkBgShp">
-    <dgm:scene3d>
-      <a:camera prst="orthographicFront"/>
-      <a:lightRig rig="threePt" dir="t"/>
-    </dgm:scene3d>
-    <dgm:sp3d/>
-    <dgm:txPr/>
-    <dgm:style>
-      <a:lnRef idx="0">
-        <a:scrgbClr r="0" g="0" b="0"/>
-      </a:lnRef>
-      <a:fillRef idx="1">
-        <a:scrgbClr r="0" g="0" b="0"/>
-      </a:fillRef>
-      <a:effectRef idx="0">
-        <a:scrgbClr r="0" g="0" b="0"/>
-      </a:effectRef>
-      <a:fontRef idx="minor"/>
-    </dgm:style>
-  </dgm:styleLbl>
-  <dgm:styleLbl name="trBgShp">
-    <dgm:scene3d>
-      <a:camera prst="orthographicFront"/>
-      <a:lightRig rig="threePt" dir="t"/>
-    </dgm:scene3d>
-    <dgm:sp3d/>
-    <dgm:txPr/>
-    <dgm:style>
-      <a:lnRef idx="0">
-        <a:scrgbClr r="0" g="0" b="0"/>
-      </a:lnRef>
-      <a:fillRef idx="1">
-        <a:scrgbClr r="0" g="0" b="0"/>
-      </a:fillRef>
-      <a:effectRef idx="0">
-        <a:scrgbClr r="0" g="0" b="0"/>
-      </a:effectRef>
-      <a:fontRef idx="minor"/>
-    </dgm:style>
-  </dgm:styleLbl>
-  <dgm:styleLbl name="fgShp">
-    <dgm:scene3d>
-      <a:camera prst="orthographicFront"/>
-      <a:lightRig rig="threePt" dir="t"/>
-    </dgm:scene3d>
-    <dgm:sp3d/>
-    <dgm:txPr/>
-    <dgm:style>
-      <a:lnRef idx="2">
-        <a:scrgbClr r="0" g="0" b="0"/>
-      </a:lnRef>
-      <a:fillRef idx="1">
-        <a:scrgbClr r="0" g="0" b="0"/>
-      </a:fillRef>
-      <a:effectRef idx="0">
-        <a:scrgbClr r="0" g="0" b="0"/>
-      </a:effectRef>
-      <a:fontRef idx="minor"/>
-    </dgm:style>
-  </dgm:styleLbl>
-  <dgm:styleLbl name="revTx">
-    <dgm:scene3d>
-      <a:camera prst="orthographicFront"/>
-      <a:lightRig rig="threePt" dir="t"/>
-    </dgm:scene3d>
-    <dgm:sp3d/>
-    <dgm:txPr/>
-    <dgm:style>
-      <a:lnRef idx="0">
-        <a:scrgbClr r="0" g="0" b="0"/>
-      </a:lnRef>
-      <a:fillRef idx="0">
-        <a:scrgbClr r="0" g="0" b="0"/>
-      </a:fillRef>
-      <a:effectRef idx="0">
-        <a:scrgbClr r="0" g="0" b="0"/>
-      </a:effectRef>
-      <a:fontRef idx="minor"/>
-    </dgm:style>
-  </dgm:styleLbl>
-</dgm:styleDef>
 </file>
 
 <file path=ppt/slideLayouts/slideLayout1.xml><?xml version="1.0" encoding="utf-8"?>
@@ -3567,7 +597,7 @@
           <a:p>
             <a:fld id="{EA0C0817-A112-4847-8014-A94B7D2A4EA3}" type="datetime1">
               <a:rPr lang="en-US" smtClean="0"/>
-              <a:t>2/19/2021</a:t>
+              <a:t>2/20/2021</a:t>
             </a:fld>
             <a:endParaRPr lang="en-US" dirty="0"/>
           </a:p>
@@ -3769,7 +799,7 @@
           <a:p>
             <a:fld id="{7332B432-ACDA-4023-A761-2BAB76577B62}" type="datetime1">
               <a:rPr lang="en-US" smtClean="0"/>
-              <a:t>2/19/2021</a:t>
+              <a:t>2/20/2021</a:t>
             </a:fld>
             <a:endParaRPr lang="en-US" dirty="0"/>
           </a:p>
@@ -4368,7 +1398,7 @@
           <a:p>
             <a:fld id="{D9C646AA-F36E-4540-911D-FFFC0A0EF24A}" type="datetime1">
               <a:rPr lang="en-US" smtClean="0"/>
-              <a:t>2/19/2021</a:t>
+              <a:t>2/20/2021</a:t>
             </a:fld>
             <a:endParaRPr lang="en-US" dirty="0"/>
           </a:p>
@@ -4688,7 +1718,7 @@
           <a:p>
             <a:fld id="{69186D26-FA5F-4637-B602-B7C2DC34CFD4}" type="datetime1">
               <a:rPr lang="en-US" smtClean="0"/>
-              <a:t>2/19/2021</a:t>
+              <a:t>2/20/2021</a:t>
             </a:fld>
             <a:endParaRPr lang="en-US" dirty="0"/>
           </a:p>
@@ -5125,7 +2155,7 @@
           <a:p>
             <a:fld id="{8A7F15D8-96D1-4781-BC50-CA8A088B2FE4}" type="datetime1">
               <a:rPr lang="en-US" smtClean="0"/>
-              <a:t>2/19/2021</a:t>
+              <a:t>2/20/2021</a:t>
             </a:fld>
             <a:endParaRPr lang="en-US" dirty="0"/>
           </a:p>
@@ -5243,7 +2273,7 @@
           <a:p>
             <a:fld id="{F9A96C99-B8F8-4528-BD05-0E16E943DC09}" type="datetime1">
               <a:rPr lang="en-US" smtClean="0"/>
-              <a:t>2/19/2021</a:t>
+              <a:t>2/20/2021</a:t>
             </a:fld>
             <a:endParaRPr lang="en-US" dirty="0"/>
           </a:p>
@@ -5338,7 +2368,7 @@
           <a:p>
             <a:fld id="{03636942-C211-4B28-8DBD-C953E00AF71B}" type="datetime1">
               <a:rPr lang="en-US" smtClean="0"/>
-              <a:t>2/19/2021</a:t>
+              <a:t>2/20/2021</a:t>
             </a:fld>
             <a:endParaRPr lang="en-US" dirty="0"/>
           </a:p>
@@ -5755,7 +2785,7 @@
           <a:p>
             <a:fld id="{7E8D12A6-918A-48BD-8CB9-CA713993B0EA}" type="datetime1">
               <a:rPr lang="en-US" smtClean="0"/>
-              <a:t>2/19/2021</a:t>
+              <a:t>2/20/2021</a:t>
             </a:fld>
             <a:endParaRPr lang="en-US" dirty="0"/>
           </a:p>
@@ -6017,7 +3047,7 @@
             <a:fld id="{E778CE86-875F-4587-BCF6-FA054AFC0D53}" type="datetime1">
               <a:rPr lang="en-US" smtClean="0"/>
               <a:pPr/>
-              <a:t>2/19/2021</a:t>
+              <a:t>2/20/2021</a:t>
             </a:fld>
             <a:endParaRPr lang="en-US" dirty="0"/>
           </a:p>
@@ -6533,7 +3563,7 @@
           <a:p>
             <a:fld id="{F6FA2B21-3FCD-4721-B95C-427943F61125}" type="datetime1">
               <a:rPr lang="en-US" smtClean="0"/>
-              <a:t>2/19/2021</a:t>
+              <a:t>2/20/2021</a:t>
             </a:fld>
             <a:endParaRPr lang="en-US" dirty="0"/>
           </a:p>
@@ -7448,14 +4478,6 @@
 <file path=ppt/slides/slide11.xml><?xml version="1.0" encoding="utf-8"?>
 <p:sld xmlns:a="http://schemas.openxmlformats.org/drawingml/2006/main" xmlns:r="http://schemas.openxmlformats.org/officeDocument/2006/relationships" xmlns:p="http://schemas.openxmlformats.org/presentationml/2006/main">
   <p:cSld>
-    <p:bg>
-      <p:bgPr>
-        <a:solidFill>
-          <a:schemeClr val="bg1"/>
-        </a:solidFill>
-        <a:effectLst/>
-      </p:bgPr>
-    </p:bg>
     <p:spTree>
       <p:nvGrpSpPr>
         <p:cNvPr id="1" name=""/>
@@ -7475,7 +4497,7 @@
           <p:cNvPr id="2" name="Title 1">
             <a:extLst>
               <a:ext uri="{FF2B5EF4-FFF2-40B4-BE49-F238E27FC236}">
-                <a16:creationId xmlns:a16="http://schemas.microsoft.com/office/drawing/2014/main" id="{7A4919D0-F177-4BBA-9A0B-DBA69E2ED764}"/>
+                <a16:creationId xmlns:a16="http://schemas.microsoft.com/office/drawing/2014/main" id="{999CCB78-7FD9-42B6-B225-C120C676D724}"/>
               </a:ext>
             </a:extLst>
           </p:cNvPr>
@@ -7486,61 +4508,1069 @@
             <p:ph type="title"/>
           </p:nvPr>
         </p:nvSpPr>
+        <p:spPr/>
+        <p:txBody>
+          <a:bodyPr/>
+          <a:lstStyle/>
+          <a:p>
+            <a:r>
+              <a:rPr lang="fr-MA" dirty="0"/>
+              <a:t>Directives</a:t>
+            </a:r>
+            <a:endParaRPr lang="en-US" dirty="0"/>
+          </a:p>
+        </p:txBody>
+      </p:sp>
+      <p:sp>
+        <p:nvSpPr>
+          <p:cNvPr id="3" name="Content Placeholder 2">
+            <a:extLst>
+              <a:ext uri="{FF2B5EF4-FFF2-40B4-BE49-F238E27FC236}">
+                <a16:creationId xmlns:a16="http://schemas.microsoft.com/office/drawing/2014/main" id="{CD7B68D5-17D4-4DE9-B24F-34A0F6D4C8D6}"/>
+              </a:ext>
+            </a:extLst>
+          </p:cNvPr>
+          <p:cNvSpPr>
+            <a:spLocks noGrp="1"/>
+          </p:cNvSpPr>
+          <p:nvPr>
+            <p:ph idx="1"/>
+          </p:nvPr>
+        </p:nvSpPr>
         <p:spPr>
           <a:xfrm>
-            <a:off x="1066800" y="642594"/>
+            <a:off x="1066800" y="1870519"/>
+            <a:ext cx="10058400" cy="3849624"/>
+          </a:xfrm>
+        </p:spPr>
+        <p:txBody>
+          <a:bodyPr/>
+          <a:lstStyle/>
+          <a:p>
+            <a:r>
+              <a:rPr lang="fr-FR" dirty="0"/>
+              <a:t>Dans l'architecture </a:t>
+            </a:r>
+            <a:r>
+              <a:rPr lang="fr-FR" dirty="0" err="1"/>
+              <a:t>Angular</a:t>
+            </a:r>
+            <a:r>
+              <a:rPr lang="fr-FR" dirty="0"/>
+              <a:t>, les directives sont finalement partout. Les Components sont des directives à la seule différence qu'ils possèdent une fonctionnalité de templating. En </a:t>
+            </a:r>
+            <a:r>
+              <a:rPr lang="fr-FR" dirty="0" err="1"/>
+              <a:t>TypeScript</a:t>
+            </a:r>
+            <a:r>
+              <a:rPr lang="fr-FR" dirty="0"/>
+              <a:t>, une directive est une classe à laquelle on applique le décorateur @Directive. Il existe deux sortes de directives :</a:t>
+            </a:r>
+          </a:p>
+          <a:p>
+            <a:pPr lvl="1"/>
+            <a:r>
+              <a:rPr lang="fr-FR" dirty="0"/>
+              <a:t>Les directives structurelles : Elles ont pour but de modifier le DOM en ajoutant, enlevant ou replaçant un élément du DOM. </a:t>
+            </a:r>
+          </a:p>
+          <a:p>
+            <a:pPr lvl="1"/>
+            <a:r>
+              <a:rPr lang="fr-FR" dirty="0"/>
+              <a:t>Les </a:t>
+            </a:r>
+            <a:r>
+              <a:rPr lang="fr-FR" dirty="0" err="1"/>
+              <a:t>attribute</a:t>
+            </a:r>
+            <a:r>
+              <a:rPr lang="fr-FR" dirty="0"/>
+              <a:t> directives : Elles ont pour but de modifier l'apparence ou le comportement d'un élément.</a:t>
+            </a:r>
+            <a:endParaRPr lang="en-US" dirty="0"/>
+          </a:p>
+        </p:txBody>
+      </p:sp>
+      <p:pic>
+        <p:nvPicPr>
+          <p:cNvPr id="7" name="Picture 6">
+            <a:extLst>
+              <a:ext uri="{FF2B5EF4-FFF2-40B4-BE49-F238E27FC236}">
+                <a16:creationId xmlns:a16="http://schemas.microsoft.com/office/drawing/2014/main" id="{67AAF458-634C-4653-99BD-CB2D41EBC38C}"/>
+              </a:ext>
+            </a:extLst>
+          </p:cNvPr>
+          <p:cNvPicPr>
+            <a:picLocks noChangeAspect="1"/>
+          </p:cNvPicPr>
+          <p:nvPr/>
+        </p:nvPicPr>
+        <p:blipFill>
+          <a:blip r:embed="rId2"/>
+          <a:stretch>
+            <a:fillRect/>
+          </a:stretch>
+        </p:blipFill>
+        <p:spPr>
+          <a:xfrm>
+            <a:off x="2717673" y="3795331"/>
+            <a:ext cx="7067550" cy="2486025"/>
+          </a:xfrm>
+          <a:prstGeom prst="rect">
+            <a:avLst/>
+          </a:prstGeom>
+        </p:spPr>
+      </p:pic>
+    </p:spTree>
+    <p:extLst>
+      <p:ext uri="{BB962C8B-B14F-4D97-AF65-F5344CB8AC3E}">
+        <p14:creationId xmlns:p14="http://schemas.microsoft.com/office/powerpoint/2010/main" val="3129773295"/>
+      </p:ext>
+    </p:extLst>
+  </p:cSld>
+  <p:clrMapOvr>
+    <a:masterClrMapping/>
+  </p:clrMapOvr>
+</p:sld>
+</file>
+
+<file path=ppt/slides/slide12.xml><?xml version="1.0" encoding="utf-8"?>
+<p:sld xmlns:a="http://schemas.openxmlformats.org/drawingml/2006/main" xmlns:r="http://schemas.openxmlformats.org/officeDocument/2006/relationships" xmlns:p="http://schemas.openxmlformats.org/presentationml/2006/main">
+  <p:cSld>
+    <p:spTree>
+      <p:nvGrpSpPr>
+        <p:cNvPr id="1" name=""/>
+        <p:cNvGrpSpPr/>
+        <p:nvPr/>
+      </p:nvGrpSpPr>
+      <p:grpSpPr>
+        <a:xfrm>
+          <a:off x="0" y="0"/>
+          <a:ext cx="0" cy="0"/>
+          <a:chOff x="0" y="0"/>
+          <a:chExt cx="0" cy="0"/>
+        </a:xfrm>
+      </p:grpSpPr>
+      <p:sp>
+        <p:nvSpPr>
+          <p:cNvPr id="2" name="Title 1">
+            <a:extLst>
+              <a:ext uri="{FF2B5EF4-FFF2-40B4-BE49-F238E27FC236}">
+                <a16:creationId xmlns:a16="http://schemas.microsoft.com/office/drawing/2014/main" id="{D85A330E-4AA3-4429-9F23-0D780F1C04B7}"/>
+              </a:ext>
+            </a:extLst>
+          </p:cNvPr>
+          <p:cNvSpPr>
+            <a:spLocks noGrp="1"/>
+          </p:cNvSpPr>
+          <p:nvPr>
+            <p:ph type="title"/>
+          </p:nvPr>
+        </p:nvSpPr>
+        <p:spPr/>
+        <p:txBody>
+          <a:bodyPr/>
+          <a:lstStyle/>
+          <a:p>
+            <a:r>
+              <a:rPr lang="fr-MA" dirty="0"/>
+              <a:t>Directives - </a:t>
+            </a:r>
+            <a:r>
+              <a:rPr lang="fr-MA" dirty="0" err="1"/>
+              <a:t>NgFor</a:t>
+            </a:r>
+            <a:endParaRPr lang="en-US" dirty="0"/>
+          </a:p>
+        </p:txBody>
+      </p:sp>
+      <p:sp>
+        <p:nvSpPr>
+          <p:cNvPr id="3" name="Content Placeholder 2">
+            <a:extLst>
+              <a:ext uri="{FF2B5EF4-FFF2-40B4-BE49-F238E27FC236}">
+                <a16:creationId xmlns:a16="http://schemas.microsoft.com/office/drawing/2014/main" id="{19CBE0F0-F9D1-42FF-89A2-223722E8F806}"/>
+              </a:ext>
+            </a:extLst>
+          </p:cNvPr>
+          <p:cNvSpPr>
+            <a:spLocks noGrp="1"/>
+          </p:cNvSpPr>
+          <p:nvPr>
+            <p:ph idx="1"/>
+          </p:nvPr>
+        </p:nvSpPr>
+        <p:spPr/>
+        <p:txBody>
+          <a:bodyPr/>
+          <a:lstStyle/>
+          <a:p>
+            <a:r>
+              <a:rPr lang="fr-FR" dirty="0"/>
+              <a:t>La directive structurelle </a:t>
+            </a:r>
+            <a:r>
+              <a:rPr lang="fr-FR" dirty="0" err="1"/>
+              <a:t>ngFor</a:t>
+            </a:r>
+            <a:r>
+              <a:rPr lang="fr-FR" dirty="0"/>
+              <a:t> permet de boucler sur un </a:t>
+            </a:r>
+            <a:r>
+              <a:rPr lang="fr-FR" dirty="0" err="1"/>
+              <a:t>array</a:t>
+            </a:r>
+            <a:r>
+              <a:rPr lang="fr-FR" dirty="0"/>
+              <a:t> et d'injecter les éléments dans le DOM.</a:t>
+            </a:r>
+          </a:p>
+          <a:p>
+            <a:endParaRPr lang="en-US" dirty="0"/>
+          </a:p>
+        </p:txBody>
+      </p:sp>
+      <p:pic>
+        <p:nvPicPr>
+          <p:cNvPr id="8" name="Picture 7">
+            <a:extLst>
+              <a:ext uri="{FF2B5EF4-FFF2-40B4-BE49-F238E27FC236}">
+                <a16:creationId xmlns:a16="http://schemas.microsoft.com/office/drawing/2014/main" id="{AD77E8C6-78AA-4323-881A-34EDECE03ABE}"/>
+              </a:ext>
+            </a:extLst>
+          </p:cNvPr>
+          <p:cNvPicPr>
+            <a:picLocks noChangeAspect="1"/>
+          </p:cNvPicPr>
+          <p:nvPr/>
+        </p:nvPicPr>
+        <p:blipFill>
+          <a:blip r:embed="rId2"/>
+          <a:stretch>
+            <a:fillRect/>
+          </a:stretch>
+        </p:blipFill>
+        <p:spPr>
+          <a:xfrm>
+            <a:off x="1347597" y="2766441"/>
+            <a:ext cx="9277350" cy="2952750"/>
+          </a:xfrm>
+          <a:prstGeom prst="rect">
+            <a:avLst/>
+          </a:prstGeom>
+        </p:spPr>
+      </p:pic>
+    </p:spTree>
+    <p:extLst>
+      <p:ext uri="{BB962C8B-B14F-4D97-AF65-F5344CB8AC3E}">
+        <p14:creationId xmlns:p14="http://schemas.microsoft.com/office/powerpoint/2010/main" val="3010380323"/>
+      </p:ext>
+    </p:extLst>
+  </p:cSld>
+  <p:clrMapOvr>
+    <a:masterClrMapping/>
+  </p:clrMapOvr>
+</p:sld>
+</file>
+
+<file path=ppt/slides/slide13.xml><?xml version="1.0" encoding="utf-8"?>
+<p:sld xmlns:a="http://schemas.openxmlformats.org/drawingml/2006/main" xmlns:r="http://schemas.openxmlformats.org/officeDocument/2006/relationships" xmlns:p="http://schemas.openxmlformats.org/presentationml/2006/main">
+  <p:cSld>
+    <p:spTree>
+      <p:nvGrpSpPr>
+        <p:cNvPr id="1" name=""/>
+        <p:cNvGrpSpPr/>
+        <p:nvPr/>
+      </p:nvGrpSpPr>
+      <p:grpSpPr>
+        <a:xfrm>
+          <a:off x="0" y="0"/>
+          <a:ext cx="0" cy="0"/>
+          <a:chOff x="0" y="0"/>
+          <a:chExt cx="0" cy="0"/>
+        </a:xfrm>
+      </p:grpSpPr>
+      <p:sp>
+        <p:nvSpPr>
+          <p:cNvPr id="2" name="Title 1">
+            <a:extLst>
+              <a:ext uri="{FF2B5EF4-FFF2-40B4-BE49-F238E27FC236}">
+                <a16:creationId xmlns:a16="http://schemas.microsoft.com/office/drawing/2014/main" id="{EEFF89F3-8326-430F-8BB3-B0449C7E2DA0}"/>
+              </a:ext>
+            </a:extLst>
+          </p:cNvPr>
+          <p:cNvSpPr>
+            <a:spLocks noGrp="1"/>
+          </p:cNvSpPr>
+          <p:nvPr>
+            <p:ph type="title"/>
+          </p:nvPr>
+        </p:nvSpPr>
+        <p:spPr/>
+        <p:txBody>
+          <a:bodyPr/>
+          <a:lstStyle/>
+          <a:p>
+            <a:r>
+              <a:rPr lang="fr-MA" dirty="0"/>
+              <a:t>Directives - </a:t>
+            </a:r>
+            <a:r>
+              <a:rPr lang="fr-MA" dirty="0" err="1"/>
+              <a:t>NgIf</a:t>
+            </a:r>
+            <a:endParaRPr lang="en-US" dirty="0"/>
+          </a:p>
+        </p:txBody>
+      </p:sp>
+      <p:sp>
+        <p:nvSpPr>
+          <p:cNvPr id="3" name="Content Placeholder 2">
+            <a:extLst>
+              <a:ext uri="{FF2B5EF4-FFF2-40B4-BE49-F238E27FC236}">
+                <a16:creationId xmlns:a16="http://schemas.microsoft.com/office/drawing/2014/main" id="{E9FD8BB5-B16D-48C5-AED4-09960B891C31}"/>
+              </a:ext>
+            </a:extLst>
+          </p:cNvPr>
+          <p:cNvSpPr>
+            <a:spLocks noGrp="1"/>
+          </p:cNvSpPr>
+          <p:nvPr>
+            <p:ph idx="1"/>
+          </p:nvPr>
+        </p:nvSpPr>
+        <p:spPr>
+          <a:xfrm>
+            <a:off x="902208" y="1929384"/>
+            <a:ext cx="10058400" cy="3849624"/>
+          </a:xfrm>
+        </p:spPr>
+        <p:txBody>
+          <a:bodyPr/>
+          <a:lstStyle/>
+          <a:p>
+            <a:r>
+              <a:rPr lang="fr-FR" dirty="0"/>
+              <a:t>Alors que le </a:t>
+            </a:r>
+            <a:r>
+              <a:rPr lang="fr-FR" dirty="0" err="1"/>
+              <a:t>template</a:t>
+            </a:r>
+            <a:r>
+              <a:rPr lang="fr-FR" dirty="0"/>
+              <a:t> interpolation et le </a:t>
+            </a:r>
+            <a:r>
+              <a:rPr lang="fr-FR" dirty="0" err="1"/>
+              <a:t>property</a:t>
+            </a:r>
+            <a:r>
+              <a:rPr lang="fr-FR" dirty="0"/>
+              <a:t> binding permettent de modifier l'affichage et le contenu, ils ne permettent pas de modifier la structure du DOM en ajoutant ou en retirant des éléments par exemple.</a:t>
+            </a:r>
+          </a:p>
+          <a:p>
+            <a:r>
+              <a:rPr lang="fr-FR" dirty="0"/>
+              <a:t>Pour remédier à cette limitation, </a:t>
+            </a:r>
+            <a:r>
+              <a:rPr lang="fr-FR" dirty="0" err="1"/>
+              <a:t>Angular</a:t>
+            </a:r>
+            <a:r>
+              <a:rPr lang="fr-FR" dirty="0"/>
+              <a:t> fournit des directives structurelles qui permettent de modifier la structure du DOM.</a:t>
+            </a:r>
+          </a:p>
+          <a:p>
+            <a:r>
+              <a:rPr lang="fr-FR" dirty="0"/>
+              <a:t>L'une de ces directives les plus utilisées est le </a:t>
+            </a:r>
+            <a:r>
+              <a:rPr lang="fr-FR" dirty="0" err="1"/>
+              <a:t>ngIf</a:t>
+            </a:r>
+            <a:r>
+              <a:rPr lang="fr-FR" dirty="0"/>
+              <a:t>.</a:t>
+            </a:r>
+          </a:p>
+          <a:p>
+            <a:r>
+              <a:rPr lang="fr-FR" dirty="0"/>
+              <a:t>Si l'expression associée à la directive est "</a:t>
+            </a:r>
+            <a:r>
+              <a:rPr lang="fr-FR" dirty="0" err="1"/>
+              <a:t>falsy</a:t>
+            </a:r>
+            <a:r>
+              <a:rPr lang="fr-FR" dirty="0"/>
+              <a:t>" alors l'élément et son contenu sont retirés du DOM (ou jamais ajoutés).</a:t>
+            </a:r>
+            <a:endParaRPr lang="en-US" dirty="0"/>
+          </a:p>
+        </p:txBody>
+      </p:sp>
+      <p:pic>
+        <p:nvPicPr>
+          <p:cNvPr id="6" name="Picture 5">
+            <a:extLst>
+              <a:ext uri="{FF2B5EF4-FFF2-40B4-BE49-F238E27FC236}">
+                <a16:creationId xmlns:a16="http://schemas.microsoft.com/office/drawing/2014/main" id="{22AFF40F-592E-4662-8660-A9D06EDB9622}"/>
+              </a:ext>
+            </a:extLst>
+          </p:cNvPr>
+          <p:cNvPicPr>
+            <a:picLocks noChangeAspect="1"/>
+          </p:cNvPicPr>
+          <p:nvPr/>
+        </p:nvPicPr>
+        <p:blipFill>
+          <a:blip r:embed="rId2"/>
+          <a:stretch>
+            <a:fillRect/>
+          </a:stretch>
+        </p:blipFill>
+        <p:spPr>
+          <a:xfrm>
+            <a:off x="3380422" y="4770501"/>
+            <a:ext cx="4791075" cy="590550"/>
+          </a:xfrm>
+          <a:prstGeom prst="rect">
+            <a:avLst/>
+          </a:prstGeom>
+        </p:spPr>
+      </p:pic>
+    </p:spTree>
+    <p:extLst>
+      <p:ext uri="{BB962C8B-B14F-4D97-AF65-F5344CB8AC3E}">
+        <p14:creationId xmlns:p14="http://schemas.microsoft.com/office/powerpoint/2010/main" val="2692154748"/>
+      </p:ext>
+    </p:extLst>
+  </p:cSld>
+  <p:clrMapOvr>
+    <a:masterClrMapping/>
+  </p:clrMapOvr>
+</p:sld>
+</file>
+
+<file path=ppt/slides/slide14.xml><?xml version="1.0" encoding="utf-8"?>
+<p:sld xmlns:a="http://schemas.openxmlformats.org/drawingml/2006/main" xmlns:r="http://schemas.openxmlformats.org/officeDocument/2006/relationships" xmlns:p="http://schemas.openxmlformats.org/presentationml/2006/main">
+  <p:cSld>
+    <p:spTree>
+      <p:nvGrpSpPr>
+        <p:cNvPr id="1" name=""/>
+        <p:cNvGrpSpPr/>
+        <p:nvPr/>
+      </p:nvGrpSpPr>
+      <p:grpSpPr>
+        <a:xfrm>
+          <a:off x="0" y="0"/>
+          <a:ext cx="0" cy="0"/>
+          <a:chOff x="0" y="0"/>
+          <a:chExt cx="0" cy="0"/>
+        </a:xfrm>
+      </p:grpSpPr>
+      <p:sp>
+        <p:nvSpPr>
+          <p:cNvPr id="2" name="Title 1">
+            <a:extLst>
+              <a:ext uri="{FF2B5EF4-FFF2-40B4-BE49-F238E27FC236}">
+                <a16:creationId xmlns:a16="http://schemas.microsoft.com/office/drawing/2014/main" id="{8E727148-4C99-4C76-83F8-878BF2BC47D7}"/>
+              </a:ext>
+            </a:extLst>
+          </p:cNvPr>
+          <p:cNvSpPr>
+            <a:spLocks noGrp="1"/>
+          </p:cNvSpPr>
+          <p:nvPr>
+            <p:ph type="title"/>
+          </p:nvPr>
+        </p:nvSpPr>
+        <p:spPr/>
+        <p:txBody>
+          <a:bodyPr/>
+          <a:lstStyle/>
+          <a:p>
+            <a:r>
+              <a:rPr lang="fr-MA" dirty="0"/>
+              <a:t>Directives - </a:t>
+            </a:r>
+            <a:r>
+              <a:rPr lang="fr-MA" dirty="0" err="1"/>
+              <a:t>NgClass</a:t>
+            </a:r>
+            <a:endParaRPr lang="en-US" dirty="0"/>
+          </a:p>
+        </p:txBody>
+      </p:sp>
+      <p:sp>
+        <p:nvSpPr>
+          <p:cNvPr id="3" name="Content Placeholder 2">
+            <a:extLst>
+              <a:ext uri="{FF2B5EF4-FFF2-40B4-BE49-F238E27FC236}">
+                <a16:creationId xmlns:a16="http://schemas.microsoft.com/office/drawing/2014/main" id="{D9D3F714-39A2-460E-A0F2-7736C8678019}"/>
+              </a:ext>
+            </a:extLst>
+          </p:cNvPr>
+          <p:cNvSpPr>
+            <a:spLocks noGrp="1"/>
+          </p:cNvSpPr>
+          <p:nvPr>
+            <p:ph idx="1"/>
+          </p:nvPr>
+        </p:nvSpPr>
+        <p:spPr/>
+        <p:txBody>
+          <a:bodyPr/>
+          <a:lstStyle/>
+          <a:p>
+            <a:r>
+              <a:rPr lang="fr-FR" dirty="0"/>
+              <a:t>Au-delà de modifier des styles directement, il peut être très utile d'ajouter des classes CSS à un élément de manière dynamique.  Comme  </a:t>
+            </a:r>
+            <a:r>
+              <a:rPr lang="fr-FR" dirty="0" err="1"/>
+              <a:t>ngStyle</a:t>
+            </a:r>
+            <a:r>
+              <a:rPr lang="fr-FR" dirty="0"/>
+              <a:t> ,  </a:t>
+            </a:r>
+            <a:r>
+              <a:rPr lang="fr-FR" dirty="0" err="1"/>
+              <a:t>ngClass</a:t>
+            </a:r>
+            <a:r>
+              <a:rPr lang="fr-FR" dirty="0"/>
+              <a:t>  prend un objet clé-valeur, mais cette fois avec la classe à appliquer en clé, et la condition en valeur.</a:t>
+            </a:r>
+            <a:endParaRPr lang="en-US" dirty="0"/>
+          </a:p>
+        </p:txBody>
+      </p:sp>
+      <p:pic>
+        <p:nvPicPr>
+          <p:cNvPr id="5" name="Picture 4">
+            <a:extLst>
+              <a:ext uri="{FF2B5EF4-FFF2-40B4-BE49-F238E27FC236}">
+                <a16:creationId xmlns:a16="http://schemas.microsoft.com/office/drawing/2014/main" id="{637ACF49-C0E3-493B-971E-878A53B35531}"/>
+              </a:ext>
+            </a:extLst>
+          </p:cNvPr>
+          <p:cNvPicPr>
+            <a:picLocks noChangeAspect="1"/>
+          </p:cNvPicPr>
+          <p:nvPr/>
+        </p:nvPicPr>
+        <p:blipFill>
+          <a:blip r:embed="rId2"/>
+          <a:stretch>
+            <a:fillRect/>
+          </a:stretch>
+        </p:blipFill>
+        <p:spPr>
+          <a:xfrm>
+            <a:off x="1081087" y="3852481"/>
+            <a:ext cx="10029825" cy="1000125"/>
+          </a:xfrm>
+          <a:prstGeom prst="rect">
+            <a:avLst/>
+          </a:prstGeom>
+        </p:spPr>
+      </p:pic>
+    </p:spTree>
+    <p:extLst>
+      <p:ext uri="{BB962C8B-B14F-4D97-AF65-F5344CB8AC3E}">
+        <p14:creationId xmlns:p14="http://schemas.microsoft.com/office/powerpoint/2010/main" val="3670983571"/>
+      </p:ext>
+    </p:extLst>
+  </p:cSld>
+  <p:clrMapOvr>
+    <a:masterClrMapping/>
+  </p:clrMapOvr>
+</p:sld>
+</file>
+
+<file path=ppt/slides/slide15.xml><?xml version="1.0" encoding="utf-8"?>
+<p:sld xmlns:a="http://schemas.openxmlformats.org/drawingml/2006/main" xmlns:r="http://schemas.openxmlformats.org/officeDocument/2006/relationships" xmlns:p="http://schemas.openxmlformats.org/presentationml/2006/main">
+  <p:cSld>
+    <p:spTree>
+      <p:nvGrpSpPr>
+        <p:cNvPr id="1" name=""/>
+        <p:cNvGrpSpPr/>
+        <p:nvPr/>
+      </p:nvGrpSpPr>
+      <p:grpSpPr>
+        <a:xfrm>
+          <a:off x="0" y="0"/>
+          <a:ext cx="0" cy="0"/>
+          <a:chOff x="0" y="0"/>
+          <a:chExt cx="0" cy="0"/>
+        </a:xfrm>
+      </p:grpSpPr>
+      <p:sp>
+        <p:nvSpPr>
+          <p:cNvPr id="2" name="Title 1">
+            <a:extLst>
+              <a:ext uri="{FF2B5EF4-FFF2-40B4-BE49-F238E27FC236}">
+                <a16:creationId xmlns:a16="http://schemas.microsoft.com/office/drawing/2014/main" id="{7BC4CC91-DE2E-4085-AF61-6438F8C1359F}"/>
+              </a:ext>
+            </a:extLst>
+          </p:cNvPr>
+          <p:cNvSpPr>
+            <a:spLocks noGrp="1"/>
+          </p:cNvSpPr>
+          <p:nvPr>
+            <p:ph type="title"/>
+          </p:nvPr>
+        </p:nvSpPr>
+        <p:spPr/>
+        <p:txBody>
+          <a:bodyPr/>
+          <a:lstStyle/>
+          <a:p>
+            <a:r>
+              <a:rPr lang="fr-MA" dirty="0"/>
+              <a:t>Pipes</a:t>
+            </a:r>
+            <a:endParaRPr lang="en-US" dirty="0"/>
+          </a:p>
+        </p:txBody>
+      </p:sp>
+      <p:sp>
+        <p:nvSpPr>
+          <p:cNvPr id="3" name="Content Placeholder 2">
+            <a:extLst>
+              <a:ext uri="{FF2B5EF4-FFF2-40B4-BE49-F238E27FC236}">
+                <a16:creationId xmlns:a16="http://schemas.microsoft.com/office/drawing/2014/main" id="{01BA8FAF-3C43-44E1-B9AE-15A489971FC6}"/>
+              </a:ext>
+            </a:extLst>
+          </p:cNvPr>
+          <p:cNvSpPr>
+            <a:spLocks noGrp="1"/>
+          </p:cNvSpPr>
+          <p:nvPr>
+            <p:ph idx="1"/>
+          </p:nvPr>
+        </p:nvSpPr>
+        <p:spPr/>
+        <p:txBody>
+          <a:bodyPr/>
+          <a:lstStyle/>
+          <a:p>
+            <a:r>
+              <a:rPr lang="fr-FR" dirty="0"/>
+              <a:t>Les Pipes sont des filtres utilisables directement depuis la vue afin de transformer les valeurs lors du "binding".</a:t>
+            </a:r>
+          </a:p>
+          <a:p>
+            <a:r>
+              <a:rPr lang="fr-FR" dirty="0"/>
+              <a:t>La syntaxe des Pipes est simplement inspirée des Pipes des </a:t>
+            </a:r>
+            <a:r>
+              <a:rPr lang="fr-FR" dirty="0" err="1"/>
+              <a:t>shell</a:t>
+            </a:r>
+            <a:r>
+              <a:rPr lang="fr-FR" dirty="0"/>
+              <a:t> UNIX que l'on retrouve dans de nombreux systèmes de templating.</a:t>
+            </a:r>
+          </a:p>
+          <a:p>
+            <a:endParaRPr lang="en-US" dirty="0"/>
+          </a:p>
+        </p:txBody>
+      </p:sp>
+      <p:pic>
+        <p:nvPicPr>
+          <p:cNvPr id="5" name="Picture 4">
+            <a:extLst>
+              <a:ext uri="{FF2B5EF4-FFF2-40B4-BE49-F238E27FC236}">
+                <a16:creationId xmlns:a16="http://schemas.microsoft.com/office/drawing/2014/main" id="{66BEF12D-F2F4-4921-AE59-636BE910F5B0}"/>
+              </a:ext>
+            </a:extLst>
+          </p:cNvPr>
+          <p:cNvPicPr>
+            <a:picLocks noChangeAspect="1"/>
+          </p:cNvPicPr>
+          <p:nvPr/>
+        </p:nvPicPr>
+        <p:blipFill>
+          <a:blip r:embed="rId2"/>
+          <a:stretch>
+            <a:fillRect/>
+          </a:stretch>
+        </p:blipFill>
+        <p:spPr>
+          <a:xfrm>
+            <a:off x="3408997" y="3580257"/>
+            <a:ext cx="5191125" cy="895350"/>
+          </a:xfrm>
+          <a:prstGeom prst="rect">
+            <a:avLst/>
+          </a:prstGeom>
+        </p:spPr>
+      </p:pic>
+    </p:spTree>
+    <p:extLst>
+      <p:ext uri="{BB962C8B-B14F-4D97-AF65-F5344CB8AC3E}">
+        <p14:creationId xmlns:p14="http://schemas.microsoft.com/office/powerpoint/2010/main" val="1705297992"/>
+      </p:ext>
+    </p:extLst>
+  </p:cSld>
+  <p:clrMapOvr>
+    <a:masterClrMapping/>
+  </p:clrMapOvr>
+</p:sld>
+</file>
+
+<file path=ppt/slides/slide16.xml><?xml version="1.0" encoding="utf-8"?>
+<p:sld xmlns:a="http://schemas.openxmlformats.org/drawingml/2006/main" xmlns:r="http://schemas.openxmlformats.org/officeDocument/2006/relationships" xmlns:p="http://schemas.openxmlformats.org/presentationml/2006/main">
+  <p:cSld>
+    <p:spTree>
+      <p:nvGrpSpPr>
+        <p:cNvPr id="1" name=""/>
+        <p:cNvGrpSpPr/>
+        <p:nvPr/>
+      </p:nvGrpSpPr>
+      <p:grpSpPr>
+        <a:xfrm>
+          <a:off x="0" y="0"/>
+          <a:ext cx="0" cy="0"/>
+          <a:chOff x="0" y="0"/>
+          <a:chExt cx="0" cy="0"/>
+        </a:xfrm>
+      </p:grpSpPr>
+      <p:sp>
+        <p:nvSpPr>
+          <p:cNvPr id="2" name="Title 1">
+            <a:extLst>
+              <a:ext uri="{FF2B5EF4-FFF2-40B4-BE49-F238E27FC236}">
+                <a16:creationId xmlns:a16="http://schemas.microsoft.com/office/drawing/2014/main" id="{96B2B732-D209-4E0E-9FE5-A6844D4F812C}"/>
+              </a:ext>
+            </a:extLst>
+          </p:cNvPr>
+          <p:cNvSpPr>
+            <a:spLocks noGrp="1"/>
+          </p:cNvSpPr>
+          <p:nvPr>
+            <p:ph type="title"/>
+          </p:nvPr>
+        </p:nvSpPr>
+        <p:spPr>
+          <a:xfrm>
+            <a:off x="1472120" y="228918"/>
             <a:ext cx="10058400" cy="1371600"/>
           </a:xfrm>
         </p:spPr>
+        <p:txBody>
+          <a:bodyPr/>
+          <a:lstStyle/>
+          <a:p>
+            <a:r>
+              <a:rPr lang="en-US" dirty="0" err="1"/>
+              <a:t>Présentation</a:t>
+            </a:r>
+            <a:r>
+              <a:rPr lang="en-US" dirty="0"/>
+              <a:t> </a:t>
+            </a:r>
+            <a:r>
+              <a:rPr lang="en-US" dirty="0" err="1"/>
+              <a:t>d’application</a:t>
+            </a:r>
+            <a:r>
+              <a:rPr lang="en-US" dirty="0"/>
+              <a:t> </a:t>
+            </a:r>
+            <a:r>
+              <a:rPr lang="en-US" dirty="0" err="1"/>
+              <a:t>ToDo</a:t>
+            </a:r>
+            <a:r>
+              <a:rPr lang="en-US" dirty="0"/>
+              <a:t> LIST</a:t>
+            </a:r>
+          </a:p>
+        </p:txBody>
+      </p:sp>
+      <p:pic>
+        <p:nvPicPr>
+          <p:cNvPr id="4" name="presentation">
+            <a:hlinkClick r:id="" action="ppaction://media"/>
+            <a:extLst>
+              <a:ext uri="{FF2B5EF4-FFF2-40B4-BE49-F238E27FC236}">
+                <a16:creationId xmlns:a16="http://schemas.microsoft.com/office/drawing/2014/main" id="{4850E54C-A1B2-420D-89C4-573FC5F85748}"/>
+              </a:ext>
+            </a:extLst>
+          </p:cNvPr>
+          <p:cNvPicPr>
+            <a:picLocks noGrp="1" noChangeAspect="1"/>
+          </p:cNvPicPr>
+          <p:nvPr>
+            <p:ph idx="1"/>
+            <a:videoFile r:link="rId2"/>
+            <p:extLst>
+              <p:ext uri="{DAA4B4D4-6D71-4841-9C94-3DE7FCFB9230}">
+                <p14:media xmlns:p14="http://schemas.microsoft.com/office/powerpoint/2010/main" r:embed="rId1"/>
+              </p:ext>
+            </p:extLst>
+          </p:nvPr>
+        </p:nvPicPr>
+        <p:blipFill>
+          <a:blip r:embed="rId4"/>
+          <a:stretch>
+            <a:fillRect/>
+          </a:stretch>
+        </p:blipFill>
+        <p:spPr>
+          <a:xfrm>
+            <a:off x="1472120" y="1207326"/>
+            <a:ext cx="9247759" cy="5182762"/>
+          </a:xfrm>
+        </p:spPr>
+      </p:pic>
+    </p:spTree>
+    <p:extLst>
+      <p:ext uri="{BB962C8B-B14F-4D97-AF65-F5344CB8AC3E}">
+        <p14:creationId xmlns:p14="http://schemas.microsoft.com/office/powerpoint/2010/main" val="3132493170"/>
+      </p:ext>
+    </p:extLst>
+  </p:cSld>
+  <p:clrMapOvr>
+    <a:masterClrMapping/>
+  </p:clrMapOvr>
+  <p:timing>
+    <p:tnLst>
+      <p:par>
+        <p:cTn id="1" dur="indefinite" restart="never" nodeType="tmRoot">
+          <p:childTnLst>
+            <p:seq concurrent="1" nextAc="seek">
+              <p:cTn id="2" dur="indefinite" nodeType="mainSeq">
+                <p:childTnLst>
+                  <p:par>
+                    <p:cTn id="3" fill="hold">
+                      <p:stCondLst>
+                        <p:cond delay="indefinite"/>
+                      </p:stCondLst>
+                      <p:childTnLst>
+                        <p:par>
+                          <p:cTn id="4" fill="hold">
+                            <p:stCondLst>
+                              <p:cond delay="0"/>
+                            </p:stCondLst>
+                            <p:childTnLst>
+                              <p:par>
+                                <p:cTn id="5" presetID="1" presetClass="mediacall" presetSubtype="0" fill="hold" nodeType="clickEffect">
+                                  <p:stCondLst>
+                                    <p:cond delay="0"/>
+                                  </p:stCondLst>
+                                  <p:childTnLst>
+                                    <p:cmd type="call" cmd="playFrom(0.0)">
+                                      <p:cBhvr>
+                                        <p:cTn id="6" dur="52459" fill="hold"/>
+                                        <p:tgtEl>
+                                          <p:spTgt spid="4"/>
+                                        </p:tgtEl>
+                                      </p:cBhvr>
+                                    </p:cmd>
+                                  </p:childTnLst>
+                                </p:cTn>
+                              </p:par>
+                            </p:childTnLst>
+                          </p:cTn>
+                        </p:par>
+                      </p:childTnLst>
+                    </p:cTn>
+                  </p:par>
+                </p:childTnLst>
+              </p:cTn>
+              <p:prevCondLst>
+                <p:cond evt="onPrev" delay="0">
+                  <p:tgtEl>
+                    <p:sldTgt/>
+                  </p:tgtEl>
+                </p:cond>
+              </p:prevCondLst>
+              <p:nextCondLst>
+                <p:cond evt="onNext" delay="0">
+                  <p:tgtEl>
+                    <p:sldTgt/>
+                  </p:tgtEl>
+                </p:cond>
+              </p:nextCondLst>
+            </p:seq>
+            <p:video>
+              <p:cMediaNode vol="80000">
+                <p:cTn id="7" fill="hold" display="0">
+                  <p:stCondLst>
+                    <p:cond delay="indefinite"/>
+                  </p:stCondLst>
+                </p:cTn>
+                <p:tgtEl>
+                  <p:spTgt spid="4"/>
+                </p:tgtEl>
+              </p:cMediaNode>
+            </p:video>
+            <p:seq concurrent="1" nextAc="seek">
+              <p:cTn id="8" restart="whenNotActive" fill="hold" evtFilter="cancelBubble" nodeType="interactiveSeq">
+                <p:stCondLst>
+                  <p:cond evt="onClick" delay="0">
+                    <p:tgtEl>
+                      <p:spTgt spid="4"/>
+                    </p:tgtEl>
+                  </p:cond>
+                </p:stCondLst>
+                <p:endSync evt="end" delay="0">
+                  <p:rtn val="all"/>
+                </p:endSync>
+                <p:childTnLst>
+                  <p:par>
+                    <p:cTn id="9" fill="hold">
+                      <p:stCondLst>
+                        <p:cond delay="0"/>
+                      </p:stCondLst>
+                      <p:childTnLst>
+                        <p:par>
+                          <p:cTn id="10" fill="hold">
+                            <p:stCondLst>
+                              <p:cond delay="0"/>
+                            </p:stCondLst>
+                            <p:childTnLst>
+                              <p:par>
+                                <p:cTn id="11" presetID="2" presetClass="mediacall" presetSubtype="0" fill="hold" nodeType="clickEffect">
+                                  <p:stCondLst>
+                                    <p:cond delay="0"/>
+                                  </p:stCondLst>
+                                  <p:childTnLst>
+                                    <p:cmd type="call" cmd="togglePause">
+                                      <p:cBhvr>
+                                        <p:cTn id="12" dur="1" fill="hold"/>
+                                        <p:tgtEl>
+                                          <p:spTgt spid="4"/>
+                                        </p:tgtEl>
+                                      </p:cBhvr>
+                                    </p:cmd>
+                                  </p:childTnLst>
+                                </p:cTn>
+                              </p:par>
+                            </p:childTnLst>
+                          </p:cTn>
+                        </p:par>
+                      </p:childTnLst>
+                    </p:cTn>
+                  </p:par>
+                </p:childTnLst>
+              </p:cTn>
+              <p:nextCondLst>
+                <p:cond evt="onClick" delay="0">
+                  <p:tgtEl>
+                    <p:spTgt spid="4"/>
+                  </p:tgtEl>
+                </p:cond>
+              </p:nextCondLst>
+            </p:seq>
+          </p:childTnLst>
+        </p:cTn>
+      </p:par>
+    </p:tnLst>
+  </p:timing>
+</p:sld>
+</file>
+
+<file path=ppt/slides/slide17.xml><?xml version="1.0" encoding="utf-8"?>
+<p:sld xmlns:a="http://schemas.openxmlformats.org/drawingml/2006/main" xmlns:r="http://schemas.openxmlformats.org/officeDocument/2006/relationships" xmlns:p="http://schemas.openxmlformats.org/presentationml/2006/main">
+  <p:cSld>
+    <p:spTree>
+      <p:nvGrpSpPr>
+        <p:cNvPr id="1" name=""/>
+        <p:cNvGrpSpPr/>
+        <p:nvPr/>
+      </p:nvGrpSpPr>
+      <p:grpSpPr>
+        <a:xfrm>
+          <a:off x="0" y="0"/>
+          <a:ext cx="0" cy="0"/>
+          <a:chOff x="0" y="0"/>
+          <a:chExt cx="0" cy="0"/>
+        </a:xfrm>
+      </p:grpSpPr>
+      <p:sp>
+        <p:nvSpPr>
+          <p:cNvPr id="2" name="Title 1">
+            <a:extLst>
+              <a:ext uri="{FF2B5EF4-FFF2-40B4-BE49-F238E27FC236}">
+                <a16:creationId xmlns:a16="http://schemas.microsoft.com/office/drawing/2014/main" id="{C8259B96-F524-463A-A7F6-FE334D5790E6}"/>
+              </a:ext>
+            </a:extLst>
+          </p:cNvPr>
+          <p:cNvSpPr>
+            <a:spLocks noGrp="1"/>
+          </p:cNvSpPr>
+          <p:nvPr>
+            <p:ph type="title"/>
+          </p:nvPr>
+        </p:nvSpPr>
+        <p:spPr/>
+        <p:txBody>
+          <a:bodyPr/>
+          <a:lstStyle/>
+          <a:p>
+            <a:r>
+              <a:rPr lang="fr-MA" dirty="0"/>
+              <a:t>CONCLUSION</a:t>
+            </a:r>
+            <a:endParaRPr lang="en-US" dirty="0"/>
+          </a:p>
+        </p:txBody>
+      </p:sp>
+      <p:sp>
+        <p:nvSpPr>
+          <p:cNvPr id="3" name="Content Placeholder 2">
+            <a:extLst>
+              <a:ext uri="{FF2B5EF4-FFF2-40B4-BE49-F238E27FC236}">
+                <a16:creationId xmlns:a16="http://schemas.microsoft.com/office/drawing/2014/main" id="{3F3E4F41-F13C-467F-B061-B5DBD04F6248}"/>
+              </a:ext>
+            </a:extLst>
+          </p:cNvPr>
+          <p:cNvSpPr>
+            <a:spLocks noGrp="1"/>
+          </p:cNvSpPr>
+          <p:nvPr>
+            <p:ph idx="1"/>
+          </p:nvPr>
+        </p:nvSpPr>
+        <p:spPr/>
         <p:txBody>
           <a:bodyPr>
             <a:normAutofit/>
           </a:bodyPr>
           <a:lstStyle/>
           <a:p>
-            <a:pPr algn="ctr"/>
-            <a:r>
-              <a:rPr lang="en-US" dirty="0"/>
-              <a:t>INTRODUCTION</a:t>
-            </a:r>
-          </a:p>
-        </p:txBody>
-      </p:sp>
-      <p:graphicFrame>
-        <p:nvGraphicFramePr>
-          <p:cNvPr id="5" name="Content Placeholder 2" descr="SmartArt graphic">
-            <a:extLst>
-              <a:ext uri="{FF2B5EF4-FFF2-40B4-BE49-F238E27FC236}">
-                <a16:creationId xmlns:a16="http://schemas.microsoft.com/office/drawing/2014/main" id="{91DB1382-7276-49FA-9632-38D558F457E3}"/>
-              </a:ext>
-            </a:extLst>
-          </p:cNvPr>
-          <p:cNvGraphicFramePr>
-            <a:graphicFrameLocks noGrp="1"/>
-          </p:cNvGraphicFramePr>
-          <p:nvPr>
-            <p:ph idx="1"/>
-            <p:extLst>
-              <p:ext uri="{D42A27DB-BD31-4B8C-83A1-F6EECF244321}">
-                <p14:modId xmlns:p14="http://schemas.microsoft.com/office/powerpoint/2010/main" val="3617019551"/>
-              </p:ext>
-            </p:extLst>
-          </p:nvPr>
-        </p:nvGraphicFramePr>
-        <p:xfrm>
-          <a:off x="1066800" y="2310063"/>
-          <a:ext cx="10058400" cy="3725612"/>
-        </p:xfrm>
-        <a:graphic>
-          <a:graphicData uri="http://schemas.openxmlformats.org/drawingml/2006/diagram">
-            <dgm:relIds xmlns:dgm="http://schemas.openxmlformats.org/drawingml/2006/diagram" xmlns:r="http://schemas.openxmlformats.org/officeDocument/2006/relationships" r:dm="rId2" r:lo="rId3" r:qs="rId4" r:cs="rId5"/>
-          </a:graphicData>
-        </a:graphic>
-      </p:graphicFrame>
+            <a:r>
+              <a:rPr lang="fr-MA" sz="2800" dirty="0" err="1"/>
+              <a:t>Angular</a:t>
+            </a:r>
+            <a:r>
+              <a:rPr lang="fr-MA" sz="2800" dirty="0"/>
+              <a:t> est un Framework très riche pour la développement des  application single page et ce Framework est plus puis puissante pour la manipulation des vue et les données.</a:t>
+            </a:r>
+          </a:p>
+        </p:txBody>
+      </p:sp>
     </p:spTree>
     <p:extLst>
       <p:ext uri="{BB962C8B-B14F-4D97-AF65-F5344CB8AC3E}">
-        <p14:creationId xmlns:p14="http://schemas.microsoft.com/office/powerpoint/2010/main" val="183243182"/>
+        <p14:creationId xmlns:p14="http://schemas.microsoft.com/office/powerpoint/2010/main" val="115765546"/>
       </p:ext>
     </p:extLst>
   </p:cSld>
@@ -7633,23 +5663,19 @@
               <a:rPr lang="en-US" dirty="0"/>
               <a:t>STRUCTURE D’UN PROJET</a:t>
             </a:r>
-          </a:p>
-          <a:p>
-            <a:r>
-              <a:rPr lang="fr-FR" dirty="0"/>
-              <a:t>COMPOSANTS</a:t>
-            </a:r>
+            <a:endParaRPr lang="fr-FR" dirty="0"/>
           </a:p>
           <a:p>
             <a:r>
               <a:rPr lang="fr-FR" dirty="0"/>
               <a:t>MODULES</a:t>
             </a:r>
+            <a:endParaRPr lang="en-US" dirty="0"/>
           </a:p>
           <a:p>
             <a:r>
               <a:rPr lang="fr-FR" dirty="0"/>
-              <a:t>SERVICE</a:t>
+              <a:t>COMPOSANTSSERVICE</a:t>
             </a:r>
           </a:p>
           <a:p>
@@ -9742,24 +7768,6 @@
 </file>
 
 <file path=customXml/item1.xml><?xml version="1.0" encoding="utf-8"?>
-<p:properties xmlns:p="http://schemas.microsoft.com/office/2006/metadata/properties" xmlns:xsi="http://www.w3.org/2001/XMLSchema-instance" xmlns:pc="http://schemas.microsoft.com/office/infopath/2007/PartnerControls">
-  <documentManagement>
-    <Status xmlns="71af3243-3dd4-4a8d-8c0d-dd76da1f02a5">Not started</Status>
-    <MediaServiceKeyPoints xmlns="71af3243-3dd4-4a8d-8c0d-dd76da1f02a5" xsi:nil="true"/>
-  </documentManagement>
-</p:properties>
-</file>
-
-<file path=customXml/item2.xml><?xml version="1.0" encoding="utf-8"?>
-<?mso-contentType ?>
-<FormTemplates xmlns="http://schemas.microsoft.com/sharepoint/v3/contenttype/forms">
-  <Display>DocumentLibraryForm</Display>
-  <Edit>DocumentLibraryForm</Edit>
-  <New>DocumentLibraryForm</New>
-</FormTemplates>
-</file>
-
-<file path=customXml/item3.xml><?xml version="1.0" encoding="utf-8"?>
 <ct:contentTypeSchema xmlns:ct="http://schemas.microsoft.com/office/2006/metadata/contentType" xmlns:ma="http://schemas.microsoft.com/office/2006/metadata/properties/metaAttributes" ct:_="" ma:_="" ma:contentTypeName="Document" ma:contentTypeID="0x01010079F111ED35F8CC479449609E8A0923A6" ma:contentTypeVersion="12" ma:contentTypeDescription="Create a new document." ma:contentTypeScope="" ma:versionID="a410dd7f93c95333ffa1b60ed6adedd1">
   <xsd:schema xmlns:xsd="http://www.w3.org/2001/XMLSchema" xmlns:xs="http://www.w3.org/2001/XMLSchema" xmlns:p="http://schemas.microsoft.com/office/2006/metadata/properties" xmlns:ns2="71af3243-3dd4-4a8d-8c0d-dd76da1f02a5" xmlns:ns3="16c05727-aa75-4e4a-9b5f-8a80a1165891" targetNamespace="http://schemas.microsoft.com/office/2006/metadata/properties" ma:root="true" ma:fieldsID="a936d9baba76aa3866493feff160faab" ns2:_="" ns3:_="">
     <xsd:import namespace="71af3243-3dd4-4a8d-8c0d-dd76da1f02a5"/>
@@ -9980,25 +7988,25 @@
 </ct:contentTypeSchema>
 </file>
 
-<file path=customXml/itemProps1.xml><?xml version="1.0" encoding="utf-8"?>
-<ds:datastoreItem xmlns:ds="http://schemas.openxmlformats.org/officeDocument/2006/customXml" ds:itemID="{137651BA-F45C-4845-9AB3-E0A65B39F5E1}">
-  <ds:schemaRefs>
-    <ds:schemaRef ds:uri="http://schemas.microsoft.com/office/2006/metadata/properties"/>
-    <ds:schemaRef ds:uri="http://schemas.microsoft.com/office/infopath/2007/PartnerControls"/>
-    <ds:schemaRef ds:uri="71af3243-3dd4-4a8d-8c0d-dd76da1f02a5"/>
-  </ds:schemaRefs>
-</ds:datastoreItem>
+<file path=customXml/item2.xml><?xml version="1.0" encoding="utf-8"?>
+<?mso-contentType ?>
+<FormTemplates xmlns="http://schemas.microsoft.com/sharepoint/v3/contenttype/forms">
+  <Display>DocumentLibraryForm</Display>
+  <Edit>DocumentLibraryForm</Edit>
+  <New>DocumentLibraryForm</New>
+</FormTemplates>
 </file>
 
-<file path=customXml/itemProps2.xml><?xml version="1.0" encoding="utf-8"?>
-<ds:datastoreItem xmlns:ds="http://schemas.openxmlformats.org/officeDocument/2006/customXml" ds:itemID="{CDB58277-F8DF-46FF-84EC-EF41B835E69F}">
-  <ds:schemaRefs>
-    <ds:schemaRef ds:uri="http://schemas.microsoft.com/sharepoint/v3/contenttype/forms"/>
-  </ds:schemaRefs>
-</ds:datastoreItem>
+<file path=customXml/item3.xml><?xml version="1.0" encoding="utf-8"?>
+<p:properties xmlns:p="http://schemas.microsoft.com/office/2006/metadata/properties" xmlns:xsi="http://www.w3.org/2001/XMLSchema-instance" xmlns:pc="http://schemas.microsoft.com/office/infopath/2007/PartnerControls">
+  <documentManagement>
+    <Status xmlns="71af3243-3dd4-4a8d-8c0d-dd76da1f02a5">Not started</Status>
+    <MediaServiceKeyPoints xmlns="71af3243-3dd4-4a8d-8c0d-dd76da1f02a5" xsi:nil="true"/>
+  </documentManagement>
+</p:properties>
 </file>
 
-<file path=customXml/itemProps3.xml><?xml version="1.0" encoding="utf-8"?>
+<file path=customXml/itemProps1.xml><?xml version="1.0" encoding="utf-8"?>
 <ds:datastoreItem xmlns:ds="http://schemas.openxmlformats.org/officeDocument/2006/customXml" ds:itemID="{2D276E62-80A3-44DD-9BCC-97ED2B99B57F}">
   <ds:schemaRefs>
     <ds:schemaRef ds:uri="http://schemas.microsoft.com/office/2006/metadata/contentType"/>
@@ -10015,4 +8023,22 @@
     <ds:schemaRef ds:uri="http://schemas.microsoft.com/internal/obd"/>
   </ds:schemaRefs>
 </ds:datastoreItem>
+</file>
+
+<file path=customXml/itemProps2.xml><?xml version="1.0" encoding="utf-8"?>
+<ds:datastoreItem xmlns:ds="http://schemas.openxmlformats.org/officeDocument/2006/customXml" ds:itemID="{CDB58277-F8DF-46FF-84EC-EF41B835E69F}">
+  <ds:schemaRefs>
+    <ds:schemaRef ds:uri="http://schemas.microsoft.com/sharepoint/v3/contenttype/forms"/>
+  </ds:schemaRefs>
+</ds:datastoreItem>
+</file>
+
+<file path=customXml/itemProps3.xml><?xml version="1.0" encoding="utf-8"?>
+<ds:datastoreItem xmlns:ds="http://schemas.openxmlformats.org/officeDocument/2006/customXml" ds:itemID="{137651BA-F45C-4845-9AB3-E0A65B39F5E1}">
+  <ds:schemaRefs>
+    <ds:schemaRef ds:uri="http://schemas.microsoft.com/office/2006/metadata/properties"/>
+    <ds:schemaRef ds:uri="http://schemas.microsoft.com/office/infopath/2007/PartnerControls"/>
+    <ds:schemaRef ds:uri="71af3243-3dd4-4a8d-8c0d-dd76da1f02a5"/>
+  </ds:schemaRefs>
+</ds:datastoreItem>
 </file>